--- a/presentation.pptx
+++ b/presentation.pptx
@@ -5,7 +5,7 @@
     <p:sldMasterId id="2147483648" r:id="rId1"/>
   </p:sldMasterIdLst>
   <p:notesMasterIdLst>
-    <p:notesMasterId r:id="rId10"/>
+    <p:notesMasterId r:id="rId16"/>
   </p:notesMasterIdLst>
   <p:sldIdLst>
     <p:sldId id="256" r:id="rId2"/>
@@ -15,7 +15,13 @@
     <p:sldId id="262" r:id="rId6"/>
     <p:sldId id="263" r:id="rId7"/>
     <p:sldId id="264" r:id="rId8"/>
-    <p:sldId id="257" r:id="rId9"/>
+    <p:sldId id="265" r:id="rId9"/>
+    <p:sldId id="257" r:id="rId10"/>
+    <p:sldId id="266" r:id="rId11"/>
+    <p:sldId id="267" r:id="rId12"/>
+    <p:sldId id="268" r:id="rId13"/>
+    <p:sldId id="269" r:id="rId14"/>
+    <p:sldId id="270" r:id="rId15"/>
   </p:sldIdLst>
   <p:sldSz cx="12192000" cy="6858000"/>
   <p:notesSz cx="6858000" cy="9144000"/>
@@ -114,6 +120,11 @@
       </a:defRPr>
     </a:lvl9pPr>
   </p:defaultTextStyle>
+  <p:extLst>
+    <p:ext uri="{EFAFB233-063F-42B5-8137-9DF3F51BA10A}">
+      <p15:sldGuideLst xmlns:p15="http://schemas.microsoft.com/office/powerpoint/2012/main"/>
+    </p:ext>
+  </p:extLst>
 </p:presentation>
 </file>
 
@@ -199,7 +210,7 @@
           <a:p>
             <a:fld id="{6F7CF302-15C8-43C4-8090-7D9B8CB76DD6}" type="datetimeFigureOut">
               <a:rPr lang="fr-CH" smtClean="0"/>
-              <a:t>07.06.2025</a:t>
+              <a:t>08.06.2025</a:t>
             </a:fld>
             <a:endParaRPr lang="fr-CH"/>
           </a:p>
@@ -616,7 +627,7 @@
           <a:p>
             <a:fld id="{37E2626F-3169-43EF-8258-3650813714B1}" type="datetime1">
               <a:rPr lang="fr-CH" smtClean="0"/>
-              <a:t>07.06.2025</a:t>
+              <a:t>08.06.2025</a:t>
             </a:fld>
             <a:endParaRPr lang="fr-CH"/>
           </a:p>
@@ -819,7 +830,7 @@
           <a:p>
             <a:fld id="{1CF9640F-840C-4BF3-BCA9-94D2FBDACA12}" type="datetime1">
               <a:rPr lang="fr-CH" smtClean="0"/>
-              <a:t>07.06.2025</a:t>
+              <a:t>08.06.2025</a:t>
             </a:fld>
             <a:endParaRPr lang="fr-CH"/>
           </a:p>
@@ -1032,7 +1043,7 @@
           <a:p>
             <a:fld id="{7A035A99-004B-479C-A7D6-FCF2ABD8B76A}" type="datetime1">
               <a:rPr lang="fr-CH" smtClean="0"/>
-              <a:t>07.06.2025</a:t>
+              <a:t>08.06.2025</a:t>
             </a:fld>
             <a:endParaRPr lang="fr-CH"/>
           </a:p>
@@ -1235,7 +1246,7 @@
           <a:p>
             <a:fld id="{C72A58D0-B6EC-4D87-A600-53641F527655}" type="datetime1">
               <a:rPr lang="fr-CH" smtClean="0"/>
-              <a:t>07.06.2025</a:t>
+              <a:t>08.06.2025</a:t>
             </a:fld>
             <a:endParaRPr lang="fr-CH"/>
           </a:p>
@@ -1514,7 +1525,7 @@
           <a:p>
             <a:fld id="{C88F0BEA-64A2-40B2-99E2-3E4EAE1EAEE6}" type="datetime1">
               <a:rPr lang="fr-CH" smtClean="0"/>
-              <a:t>07.06.2025</a:t>
+              <a:t>08.06.2025</a:t>
             </a:fld>
             <a:endParaRPr lang="fr-CH"/>
           </a:p>
@@ -1785,7 +1796,7 @@
           <a:p>
             <a:fld id="{97AE4778-8311-4FAC-9BA3-F61D708A6E5D}" type="datetime1">
               <a:rPr lang="fr-CH" smtClean="0"/>
-              <a:t>07.06.2025</a:t>
+              <a:t>08.06.2025</a:t>
             </a:fld>
             <a:endParaRPr lang="fr-CH"/>
           </a:p>
@@ -2203,7 +2214,7 @@
           <a:p>
             <a:fld id="{A25CC6CF-6354-418D-AF9B-0F9FF29398A4}" type="datetime1">
               <a:rPr lang="fr-CH" smtClean="0"/>
-              <a:t>07.06.2025</a:t>
+              <a:t>08.06.2025</a:t>
             </a:fld>
             <a:endParaRPr lang="fr-CH"/>
           </a:p>
@@ -2348,7 +2359,7 @@
           <a:p>
             <a:fld id="{C0B9C866-A3AB-4D47-9EF5-1730751AC930}" type="datetime1">
               <a:rPr lang="fr-CH" smtClean="0"/>
-              <a:t>07.06.2025</a:t>
+              <a:t>08.06.2025</a:t>
             </a:fld>
             <a:endParaRPr lang="fr-CH"/>
           </a:p>
@@ -2464,7 +2475,7 @@
           <a:p>
             <a:fld id="{E2F39C93-0DF7-4967-AF38-FCBFA43B730C}" type="datetime1">
               <a:rPr lang="fr-CH" smtClean="0"/>
-              <a:t>07.06.2025</a:t>
+              <a:t>08.06.2025</a:t>
             </a:fld>
             <a:endParaRPr lang="fr-CH"/>
           </a:p>
@@ -2780,7 +2791,7 @@
           <a:p>
             <a:fld id="{D312120A-B405-4426-B881-32455037693B}" type="datetime1">
               <a:rPr lang="fr-CH" smtClean="0"/>
-              <a:t>07.06.2025</a:t>
+              <a:t>08.06.2025</a:t>
             </a:fld>
             <a:endParaRPr lang="fr-CH"/>
           </a:p>
@@ -3072,7 +3083,7 @@
           <a:p>
             <a:fld id="{48F13229-F0DC-442B-A2FD-E996D38BC528}" type="datetime1">
               <a:rPr lang="fr-CH" smtClean="0"/>
-              <a:t>07.06.2025</a:t>
+              <a:t>08.06.2025</a:t>
             </a:fld>
             <a:endParaRPr lang="fr-CH"/>
           </a:p>
@@ -3318,7 +3329,7 @@
           <a:p>
             <a:fld id="{961D6D41-A7C7-407D-8A66-3A09DE85368B}" type="datetime1">
               <a:rPr lang="fr-CH" smtClean="0"/>
-              <a:t>07.06.2025</a:t>
+              <a:t>08.06.2025</a:t>
             </a:fld>
             <a:endParaRPr lang="fr-CH"/>
           </a:p>
@@ -4922,7 +4933,7 @@
           <a:p>
             <a:fld id="{7DD0191E-2320-4968-A224-3258627C467A}" type="datetime1">
               <a:rPr lang="fr-CH" smtClean="0"/>
-              <a:t>07.06.2025</a:t>
+              <a:t>08.06.2025</a:t>
             </a:fld>
             <a:endParaRPr lang="fr-CH" dirty="0"/>
           </a:p>
@@ -4932,6 +4943,1852 @@
     <p:extLst>
       <p:ext uri="{BB962C8B-B14F-4D97-AF65-F5344CB8AC3E}">
         <p14:creationId xmlns:p14="http://schemas.microsoft.com/office/powerpoint/2010/main" val="911787266"/>
+      </p:ext>
+    </p:extLst>
+  </p:cSld>
+  <p:clrMapOvr>
+    <a:masterClrMapping/>
+  </p:clrMapOvr>
+</p:sld>
+</file>
+
+<file path=ppt/slides/slide10.xml><?xml version="1.0" encoding="utf-8"?>
+<p:sld xmlns:a="http://schemas.openxmlformats.org/drawingml/2006/main" xmlns:r="http://schemas.openxmlformats.org/officeDocument/2006/relationships" xmlns:p="http://schemas.openxmlformats.org/presentationml/2006/main">
+  <p:cSld>
+    <p:spTree>
+      <p:nvGrpSpPr>
+        <p:cNvPr id="1" name="">
+          <a:extLst>
+            <a:ext uri="{FF2B5EF4-FFF2-40B4-BE49-F238E27FC236}">
+              <a16:creationId xmlns:a16="http://schemas.microsoft.com/office/drawing/2014/main" id="{1C9779EC-8977-F538-FC60-40F2BB472FE4}"/>
+            </a:ext>
+          </a:extLst>
+        </p:cNvPr>
+        <p:cNvGrpSpPr/>
+        <p:nvPr/>
+      </p:nvGrpSpPr>
+      <p:grpSpPr>
+        <a:xfrm>
+          <a:off x="0" y="0"/>
+          <a:ext cx="0" cy="0"/>
+          <a:chOff x="0" y="0"/>
+          <a:chExt cx="0" cy="0"/>
+        </a:xfrm>
+      </p:grpSpPr>
+      <p:sp>
+        <p:nvSpPr>
+          <p:cNvPr id="4" name="ZoneTexte 3">
+            <a:extLst>
+              <a:ext uri="{FF2B5EF4-FFF2-40B4-BE49-F238E27FC236}">
+                <a16:creationId xmlns:a16="http://schemas.microsoft.com/office/drawing/2014/main" id="{81F5FEE5-7236-626E-26DB-37795073674F}"/>
+              </a:ext>
+            </a:extLst>
+          </p:cNvPr>
+          <p:cNvSpPr txBox="1"/>
+          <p:nvPr/>
+        </p:nvSpPr>
+        <p:spPr>
+          <a:xfrm>
+            <a:off x="1974273" y="858981"/>
+            <a:ext cx="8243454" cy="1015663"/>
+          </a:xfrm>
+          <a:prstGeom prst="rect">
+            <a:avLst/>
+          </a:prstGeom>
+          <a:noFill/>
+        </p:spPr>
+        <p:txBody>
+          <a:bodyPr wrap="square" rtlCol="0">
+            <a:spAutoFit/>
+          </a:bodyPr>
+          <a:lstStyle/>
+          <a:p>
+            <a:pPr algn="ctr"/>
+            <a:r>
+              <a:rPr lang="fr-CH" sz="6000" b="1" dirty="0">
+                <a:latin typeface="+mj-lt"/>
+                <a:cs typeface="Aharoni" panose="020F0502020204030204" pitchFamily="2" charset="-79"/>
+              </a:rPr>
+              <a:t>Pourquoi c’est bien ?</a:t>
+            </a:r>
+          </a:p>
+        </p:txBody>
+      </p:sp>
+      <p:sp>
+        <p:nvSpPr>
+          <p:cNvPr id="36" name="Espace réservé du numéro de diapositive 35">
+            <a:extLst>
+              <a:ext uri="{FF2B5EF4-FFF2-40B4-BE49-F238E27FC236}">
+                <a16:creationId xmlns:a16="http://schemas.microsoft.com/office/drawing/2014/main" id="{100F569C-45AA-4D0D-D281-CF3ABAFA1467}"/>
+              </a:ext>
+            </a:extLst>
+          </p:cNvPr>
+          <p:cNvSpPr>
+            <a:spLocks noGrp="1"/>
+          </p:cNvSpPr>
+          <p:nvPr>
+            <p:ph type="sldNum" sz="quarter" idx="12"/>
+          </p:nvPr>
+        </p:nvSpPr>
+        <p:spPr/>
+        <p:txBody>
+          <a:bodyPr/>
+          <a:lstStyle/>
+          <a:p>
+            <a:fld id="{FE62F6A8-B166-4F31-9975-CC19BE6F7705}" type="slidenum">
+              <a:rPr lang="fr-CH" smtClean="0"/>
+              <a:t>10</a:t>
+            </a:fld>
+            <a:endParaRPr lang="fr-CH"/>
+          </a:p>
+        </p:txBody>
+      </p:sp>
+      <p:sp>
+        <p:nvSpPr>
+          <p:cNvPr id="37" name="Espace réservé de la date 36">
+            <a:extLst>
+              <a:ext uri="{FF2B5EF4-FFF2-40B4-BE49-F238E27FC236}">
+                <a16:creationId xmlns:a16="http://schemas.microsoft.com/office/drawing/2014/main" id="{CEE2407E-8C8C-89B9-498B-4DF5DABE8898}"/>
+              </a:ext>
+            </a:extLst>
+          </p:cNvPr>
+          <p:cNvSpPr>
+            <a:spLocks noGrp="1"/>
+          </p:cNvSpPr>
+          <p:nvPr>
+            <p:ph type="dt" sz="half" idx="10"/>
+          </p:nvPr>
+        </p:nvSpPr>
+        <p:spPr/>
+        <p:txBody>
+          <a:bodyPr/>
+          <a:lstStyle/>
+          <a:p>
+            <a:fld id="{6968AD06-E157-493F-80B4-D565F843D9AF}" type="datetime1">
+              <a:rPr lang="fr-CH" smtClean="0"/>
+              <a:t>08.06.2025</a:t>
+            </a:fld>
+            <a:endParaRPr lang="fr-CH"/>
+          </a:p>
+        </p:txBody>
+      </p:sp>
+      <p:sp>
+        <p:nvSpPr>
+          <p:cNvPr id="38" name="Espace réservé du pied de page 37">
+            <a:extLst>
+              <a:ext uri="{FF2B5EF4-FFF2-40B4-BE49-F238E27FC236}">
+                <a16:creationId xmlns:a16="http://schemas.microsoft.com/office/drawing/2014/main" id="{11610BA6-50F7-CDB3-F464-DC39890072E4}"/>
+              </a:ext>
+            </a:extLst>
+          </p:cNvPr>
+          <p:cNvSpPr>
+            <a:spLocks noGrp="1"/>
+          </p:cNvSpPr>
+          <p:nvPr>
+            <p:ph type="ftr" sz="quarter" idx="11"/>
+          </p:nvPr>
+        </p:nvSpPr>
+        <p:spPr/>
+        <p:txBody>
+          <a:bodyPr/>
+          <a:lstStyle/>
+          <a:p>
+            <a:r>
+              <a:rPr lang="fr-CH"/>
+              <a:t>CLD-WS-GrF</a:t>
+            </a:r>
+          </a:p>
+        </p:txBody>
+      </p:sp>
+      <p:grpSp>
+        <p:nvGrpSpPr>
+          <p:cNvPr id="15" name="Groupe 14">
+            <a:extLst>
+              <a:ext uri="{FF2B5EF4-FFF2-40B4-BE49-F238E27FC236}">
+                <a16:creationId xmlns:a16="http://schemas.microsoft.com/office/drawing/2014/main" id="{C211B416-D0F6-B268-B408-B7534A3E20FB}"/>
+              </a:ext>
+            </a:extLst>
+          </p:cNvPr>
+          <p:cNvGrpSpPr/>
+          <p:nvPr/>
+        </p:nvGrpSpPr>
+        <p:grpSpPr>
+          <a:xfrm>
+            <a:off x="2149898" y="2521555"/>
+            <a:ext cx="7892203" cy="2693739"/>
+            <a:chOff x="3008169" y="2593983"/>
+            <a:chExt cx="7892203" cy="2693739"/>
+          </a:xfrm>
+        </p:grpSpPr>
+        <p:grpSp>
+          <p:nvGrpSpPr>
+            <p:cNvPr id="3" name="Groupe 2">
+              <a:extLst>
+                <a:ext uri="{FF2B5EF4-FFF2-40B4-BE49-F238E27FC236}">
+                  <a16:creationId xmlns:a16="http://schemas.microsoft.com/office/drawing/2014/main" id="{787BE565-633D-F85D-BEFD-1A42C40ADE3F}"/>
+                </a:ext>
+              </a:extLst>
+            </p:cNvPr>
+            <p:cNvGrpSpPr/>
+            <p:nvPr/>
+          </p:nvGrpSpPr>
+          <p:grpSpPr>
+            <a:xfrm>
+              <a:off x="3008169" y="2593983"/>
+              <a:ext cx="6175662" cy="646331"/>
+              <a:chOff x="2968339" y="2782669"/>
+              <a:chExt cx="6175662" cy="646331"/>
+            </a:xfrm>
+          </p:grpSpPr>
+          <p:sp>
+            <p:nvSpPr>
+              <p:cNvPr id="5" name="ZoneTexte 4">
+                <a:extLst>
+                  <a:ext uri="{FF2B5EF4-FFF2-40B4-BE49-F238E27FC236}">
+                    <a16:creationId xmlns:a16="http://schemas.microsoft.com/office/drawing/2014/main" id="{86445D0B-7CF3-3C5A-7C70-8C259130AA55}"/>
+                  </a:ext>
+                </a:extLst>
+              </p:cNvPr>
+              <p:cNvSpPr txBox="1"/>
+              <p:nvPr/>
+            </p:nvSpPr>
+            <p:spPr>
+              <a:xfrm>
+                <a:off x="3842658" y="2782669"/>
+                <a:ext cx="5301343" cy="646331"/>
+              </a:xfrm>
+              <a:prstGeom prst="rect">
+                <a:avLst/>
+              </a:prstGeom>
+              <a:noFill/>
+            </p:spPr>
+            <p:txBody>
+              <a:bodyPr wrap="square" rtlCol="0">
+                <a:spAutoFit/>
+              </a:bodyPr>
+              <a:lstStyle/>
+              <a:p>
+                <a:r>
+                  <a:rPr lang="fr-FR" sz="3600" b="1" dirty="0"/>
+                  <a:t>Prix attractifs</a:t>
+                </a:r>
+              </a:p>
+            </p:txBody>
+          </p:sp>
+          <p:pic>
+            <p:nvPicPr>
+              <p:cNvPr id="6" name="Image 5" descr="Une image contenant logo, symbole, capture d’écran, Graphique&#10;&#10;Le contenu généré par l’IA peut être incorrect.">
+                <a:extLst>
+                  <a:ext uri="{FF2B5EF4-FFF2-40B4-BE49-F238E27FC236}">
+                    <a16:creationId xmlns:a16="http://schemas.microsoft.com/office/drawing/2014/main" id="{06F7C463-336B-7AF3-AF58-19FD0F77448B}"/>
+                  </a:ext>
+                </a:extLst>
+              </p:cNvPr>
+              <p:cNvPicPr>
+                <a:picLocks noChangeAspect="1"/>
+              </p:cNvPicPr>
+              <p:nvPr/>
+            </p:nvPicPr>
+            <p:blipFill>
+              <a:blip r:embed="rId2">
+                <a:extLst>
+                  <a:ext uri="{28A0092B-C50C-407E-A947-70E740481C1C}">
+                    <a14:useLocalDpi xmlns:a14="http://schemas.microsoft.com/office/drawing/2010/main" val="0"/>
+                  </a:ext>
+                </a:extLst>
+              </a:blip>
+              <a:stretch>
+                <a:fillRect/>
+              </a:stretch>
+            </p:blipFill>
+            <p:spPr>
+              <a:xfrm>
+                <a:off x="2968339" y="2782669"/>
+                <a:ext cx="591694" cy="646331"/>
+              </a:xfrm>
+              <a:prstGeom prst="rect">
+                <a:avLst/>
+              </a:prstGeom>
+            </p:spPr>
+          </p:pic>
+        </p:grpSp>
+        <p:grpSp>
+          <p:nvGrpSpPr>
+            <p:cNvPr id="7" name="Groupe 6">
+              <a:extLst>
+                <a:ext uri="{FF2B5EF4-FFF2-40B4-BE49-F238E27FC236}">
+                  <a16:creationId xmlns:a16="http://schemas.microsoft.com/office/drawing/2014/main" id="{65A2180A-185B-7C8D-0960-2896CF3D07DB}"/>
+                </a:ext>
+              </a:extLst>
+            </p:cNvPr>
+            <p:cNvGrpSpPr/>
+            <p:nvPr/>
+          </p:nvGrpSpPr>
+          <p:grpSpPr>
+            <a:xfrm>
+              <a:off x="3008169" y="3617687"/>
+              <a:ext cx="6175662" cy="646331"/>
+              <a:chOff x="2968339" y="2782669"/>
+              <a:chExt cx="6175662" cy="646331"/>
+            </a:xfrm>
+          </p:grpSpPr>
+          <p:sp>
+            <p:nvSpPr>
+              <p:cNvPr id="8" name="ZoneTexte 7">
+                <a:extLst>
+                  <a:ext uri="{FF2B5EF4-FFF2-40B4-BE49-F238E27FC236}">
+                    <a16:creationId xmlns:a16="http://schemas.microsoft.com/office/drawing/2014/main" id="{CA1A9C3E-9579-FC2B-1468-C88D5BD1B746}"/>
+                  </a:ext>
+                </a:extLst>
+              </p:cNvPr>
+              <p:cNvSpPr txBox="1"/>
+              <p:nvPr/>
+            </p:nvSpPr>
+            <p:spPr>
+              <a:xfrm>
+                <a:off x="3842658" y="2782669"/>
+                <a:ext cx="5301343" cy="646331"/>
+              </a:xfrm>
+              <a:prstGeom prst="rect">
+                <a:avLst/>
+              </a:prstGeom>
+              <a:noFill/>
+            </p:spPr>
+            <p:txBody>
+              <a:bodyPr wrap="square" rtlCol="0">
+                <a:spAutoFit/>
+              </a:bodyPr>
+              <a:lstStyle/>
+              <a:p>
+                <a:r>
+                  <a:rPr lang="fr-FR" sz="3600" b="1" dirty="0"/>
+                  <a:t>Paiement à l’utilisation</a:t>
+                </a:r>
+              </a:p>
+            </p:txBody>
+          </p:sp>
+          <p:pic>
+            <p:nvPicPr>
+              <p:cNvPr id="10" name="Image 9" descr="Une image contenant logo, symbole, capture d’écran, Graphique&#10;&#10;Le contenu généré par l’IA peut être incorrect.">
+                <a:extLst>
+                  <a:ext uri="{FF2B5EF4-FFF2-40B4-BE49-F238E27FC236}">
+                    <a16:creationId xmlns:a16="http://schemas.microsoft.com/office/drawing/2014/main" id="{53A53183-F895-D76A-5843-EFB67691E894}"/>
+                  </a:ext>
+                </a:extLst>
+              </p:cNvPr>
+              <p:cNvPicPr>
+                <a:picLocks noChangeAspect="1"/>
+              </p:cNvPicPr>
+              <p:nvPr/>
+            </p:nvPicPr>
+            <p:blipFill>
+              <a:blip r:embed="rId2">
+                <a:extLst>
+                  <a:ext uri="{28A0092B-C50C-407E-A947-70E740481C1C}">
+                    <a14:useLocalDpi xmlns:a14="http://schemas.microsoft.com/office/drawing/2010/main" val="0"/>
+                  </a:ext>
+                </a:extLst>
+              </a:blip>
+              <a:stretch>
+                <a:fillRect/>
+              </a:stretch>
+            </p:blipFill>
+            <p:spPr>
+              <a:xfrm>
+                <a:off x="2968339" y="2782669"/>
+                <a:ext cx="591694" cy="646331"/>
+              </a:xfrm>
+              <a:prstGeom prst="rect">
+                <a:avLst/>
+              </a:prstGeom>
+            </p:spPr>
+          </p:pic>
+        </p:grpSp>
+        <p:grpSp>
+          <p:nvGrpSpPr>
+            <p:cNvPr id="12" name="Groupe 11">
+              <a:extLst>
+                <a:ext uri="{FF2B5EF4-FFF2-40B4-BE49-F238E27FC236}">
+                  <a16:creationId xmlns:a16="http://schemas.microsoft.com/office/drawing/2014/main" id="{7BDCD285-2E37-E400-5DA2-50EECFC8238E}"/>
+                </a:ext>
+              </a:extLst>
+            </p:cNvPr>
+            <p:cNvGrpSpPr/>
+            <p:nvPr/>
+          </p:nvGrpSpPr>
+          <p:grpSpPr>
+            <a:xfrm>
+              <a:off x="3008169" y="4641391"/>
+              <a:ext cx="7892203" cy="646331"/>
+              <a:chOff x="2968339" y="2782669"/>
+              <a:chExt cx="7892203" cy="646331"/>
+            </a:xfrm>
+          </p:grpSpPr>
+          <p:sp>
+            <p:nvSpPr>
+              <p:cNvPr id="13" name="ZoneTexte 12">
+                <a:extLst>
+                  <a:ext uri="{FF2B5EF4-FFF2-40B4-BE49-F238E27FC236}">
+                    <a16:creationId xmlns:a16="http://schemas.microsoft.com/office/drawing/2014/main" id="{099D940A-D488-6FC3-B859-FD8E3C77F9CF}"/>
+                  </a:ext>
+                </a:extLst>
+              </p:cNvPr>
+              <p:cNvSpPr txBox="1"/>
+              <p:nvPr/>
+            </p:nvSpPr>
+            <p:spPr>
+              <a:xfrm>
+                <a:off x="3842658" y="2782669"/>
+                <a:ext cx="7017884" cy="646331"/>
+              </a:xfrm>
+              <a:prstGeom prst="rect">
+                <a:avLst/>
+              </a:prstGeom>
+              <a:noFill/>
+            </p:spPr>
+            <p:txBody>
+              <a:bodyPr wrap="square" rtlCol="0">
+                <a:spAutoFit/>
+              </a:bodyPr>
+              <a:lstStyle/>
+              <a:p>
+                <a:r>
+                  <a:rPr lang="fr-FR" sz="3600" b="1" dirty="0"/>
+                  <a:t>No train, </a:t>
+                </a:r>
+                <a:r>
+                  <a:rPr lang="fr-FR" sz="3600" b="1" dirty="0" err="1"/>
+                  <a:t>collect</a:t>
+                </a:r>
+                <a:r>
+                  <a:rPr lang="fr-FR" sz="3600" b="1" dirty="0"/>
+                  <a:t> or infrastructure</a:t>
+                </a:r>
+              </a:p>
+            </p:txBody>
+          </p:sp>
+          <p:pic>
+            <p:nvPicPr>
+              <p:cNvPr id="14" name="Image 13" descr="Une image contenant logo, symbole, capture d’écran, Graphique&#10;&#10;Le contenu généré par l’IA peut être incorrect.">
+                <a:extLst>
+                  <a:ext uri="{FF2B5EF4-FFF2-40B4-BE49-F238E27FC236}">
+                    <a16:creationId xmlns:a16="http://schemas.microsoft.com/office/drawing/2014/main" id="{047C61E1-F160-CF44-3431-6FC705B9A40D}"/>
+                  </a:ext>
+                </a:extLst>
+              </p:cNvPr>
+              <p:cNvPicPr>
+                <a:picLocks noChangeAspect="1"/>
+              </p:cNvPicPr>
+              <p:nvPr/>
+            </p:nvPicPr>
+            <p:blipFill>
+              <a:blip r:embed="rId2">
+                <a:extLst>
+                  <a:ext uri="{28A0092B-C50C-407E-A947-70E740481C1C}">
+                    <a14:useLocalDpi xmlns:a14="http://schemas.microsoft.com/office/drawing/2010/main" val="0"/>
+                  </a:ext>
+                </a:extLst>
+              </a:blip>
+              <a:stretch>
+                <a:fillRect/>
+              </a:stretch>
+            </p:blipFill>
+            <p:spPr>
+              <a:xfrm>
+                <a:off x="2968339" y="2782669"/>
+                <a:ext cx="591694" cy="646331"/>
+              </a:xfrm>
+              <a:prstGeom prst="rect">
+                <a:avLst/>
+              </a:prstGeom>
+            </p:spPr>
+          </p:pic>
+        </p:grpSp>
+      </p:grpSp>
+    </p:spTree>
+    <p:extLst>
+      <p:ext uri="{BB962C8B-B14F-4D97-AF65-F5344CB8AC3E}">
+        <p14:creationId xmlns:p14="http://schemas.microsoft.com/office/powerpoint/2010/main" val="1549821871"/>
+      </p:ext>
+    </p:extLst>
+  </p:cSld>
+  <p:clrMapOvr>
+    <a:masterClrMapping/>
+  </p:clrMapOvr>
+</p:sld>
+</file>
+
+<file path=ppt/slides/slide11.xml><?xml version="1.0" encoding="utf-8"?>
+<p:sld xmlns:a="http://schemas.openxmlformats.org/drawingml/2006/main" xmlns:r="http://schemas.openxmlformats.org/officeDocument/2006/relationships" xmlns:p="http://schemas.openxmlformats.org/presentationml/2006/main">
+  <p:cSld>
+    <p:spTree>
+      <p:nvGrpSpPr>
+        <p:cNvPr id="1" name="">
+          <a:extLst>
+            <a:ext uri="{FF2B5EF4-FFF2-40B4-BE49-F238E27FC236}">
+              <a16:creationId xmlns:a16="http://schemas.microsoft.com/office/drawing/2014/main" id="{79F67E90-EF0A-F147-C91C-FFEF452FD880}"/>
+            </a:ext>
+          </a:extLst>
+        </p:cNvPr>
+        <p:cNvGrpSpPr/>
+        <p:nvPr/>
+      </p:nvGrpSpPr>
+      <p:grpSpPr>
+        <a:xfrm>
+          <a:off x="0" y="0"/>
+          <a:ext cx="0" cy="0"/>
+          <a:chOff x="0" y="0"/>
+          <a:chExt cx="0" cy="0"/>
+        </a:xfrm>
+      </p:grpSpPr>
+      <p:sp>
+        <p:nvSpPr>
+          <p:cNvPr id="4" name="ZoneTexte 3">
+            <a:extLst>
+              <a:ext uri="{FF2B5EF4-FFF2-40B4-BE49-F238E27FC236}">
+                <a16:creationId xmlns:a16="http://schemas.microsoft.com/office/drawing/2014/main" id="{BEECDFB7-E1F8-8912-1533-06E17B3CC666}"/>
+              </a:ext>
+            </a:extLst>
+          </p:cNvPr>
+          <p:cNvSpPr txBox="1"/>
+          <p:nvPr/>
+        </p:nvSpPr>
+        <p:spPr>
+          <a:xfrm>
+            <a:off x="1974273" y="858981"/>
+            <a:ext cx="8243454" cy="1015663"/>
+          </a:xfrm>
+          <a:prstGeom prst="rect">
+            <a:avLst/>
+          </a:prstGeom>
+          <a:noFill/>
+        </p:spPr>
+        <p:txBody>
+          <a:bodyPr wrap="square" rtlCol="0">
+            <a:spAutoFit/>
+          </a:bodyPr>
+          <a:lstStyle/>
+          <a:p>
+            <a:pPr algn="ctr"/>
+            <a:r>
+              <a:rPr lang="fr-CH" sz="6000" b="1" dirty="0">
+                <a:latin typeface="+mj-lt"/>
+                <a:cs typeface="Aharoni" panose="020F0502020204030204" pitchFamily="2" charset="-79"/>
+              </a:rPr>
+              <a:t>Mais…</a:t>
+            </a:r>
+          </a:p>
+        </p:txBody>
+      </p:sp>
+      <p:sp>
+        <p:nvSpPr>
+          <p:cNvPr id="36" name="Espace réservé du numéro de diapositive 35">
+            <a:extLst>
+              <a:ext uri="{FF2B5EF4-FFF2-40B4-BE49-F238E27FC236}">
+                <a16:creationId xmlns:a16="http://schemas.microsoft.com/office/drawing/2014/main" id="{CC8AAAE7-D53B-B75A-E925-431D5C5C2CCA}"/>
+              </a:ext>
+            </a:extLst>
+          </p:cNvPr>
+          <p:cNvSpPr>
+            <a:spLocks noGrp="1"/>
+          </p:cNvSpPr>
+          <p:nvPr>
+            <p:ph type="sldNum" sz="quarter" idx="12"/>
+          </p:nvPr>
+        </p:nvSpPr>
+        <p:spPr/>
+        <p:txBody>
+          <a:bodyPr/>
+          <a:lstStyle/>
+          <a:p>
+            <a:fld id="{FE62F6A8-B166-4F31-9975-CC19BE6F7705}" type="slidenum">
+              <a:rPr lang="fr-CH" smtClean="0"/>
+              <a:t>11</a:t>
+            </a:fld>
+            <a:endParaRPr lang="fr-CH"/>
+          </a:p>
+        </p:txBody>
+      </p:sp>
+      <p:sp>
+        <p:nvSpPr>
+          <p:cNvPr id="37" name="Espace réservé de la date 36">
+            <a:extLst>
+              <a:ext uri="{FF2B5EF4-FFF2-40B4-BE49-F238E27FC236}">
+                <a16:creationId xmlns:a16="http://schemas.microsoft.com/office/drawing/2014/main" id="{9B89018E-4B09-2355-8BA9-3898ADA2C084}"/>
+              </a:ext>
+            </a:extLst>
+          </p:cNvPr>
+          <p:cNvSpPr>
+            <a:spLocks noGrp="1"/>
+          </p:cNvSpPr>
+          <p:nvPr>
+            <p:ph type="dt" sz="half" idx="10"/>
+          </p:nvPr>
+        </p:nvSpPr>
+        <p:spPr/>
+        <p:txBody>
+          <a:bodyPr/>
+          <a:lstStyle/>
+          <a:p>
+            <a:fld id="{6968AD06-E157-493F-80B4-D565F843D9AF}" type="datetime1">
+              <a:rPr lang="fr-CH" smtClean="0"/>
+              <a:t>08.06.2025</a:t>
+            </a:fld>
+            <a:endParaRPr lang="fr-CH"/>
+          </a:p>
+        </p:txBody>
+      </p:sp>
+      <p:sp>
+        <p:nvSpPr>
+          <p:cNvPr id="38" name="Espace réservé du pied de page 37">
+            <a:extLst>
+              <a:ext uri="{FF2B5EF4-FFF2-40B4-BE49-F238E27FC236}">
+                <a16:creationId xmlns:a16="http://schemas.microsoft.com/office/drawing/2014/main" id="{A84779EB-5621-7FA8-4864-005002A9B955}"/>
+              </a:ext>
+            </a:extLst>
+          </p:cNvPr>
+          <p:cNvSpPr>
+            <a:spLocks noGrp="1"/>
+          </p:cNvSpPr>
+          <p:nvPr>
+            <p:ph type="ftr" sz="quarter" idx="11"/>
+          </p:nvPr>
+        </p:nvSpPr>
+        <p:spPr/>
+        <p:txBody>
+          <a:bodyPr/>
+          <a:lstStyle/>
+          <a:p>
+            <a:r>
+              <a:rPr lang="fr-CH"/>
+              <a:t>CLD-WS-GrF</a:t>
+            </a:r>
+          </a:p>
+        </p:txBody>
+      </p:sp>
+      <p:grpSp>
+        <p:nvGrpSpPr>
+          <p:cNvPr id="15" name="Groupe 14">
+            <a:extLst>
+              <a:ext uri="{FF2B5EF4-FFF2-40B4-BE49-F238E27FC236}">
+                <a16:creationId xmlns:a16="http://schemas.microsoft.com/office/drawing/2014/main" id="{C29B8055-C89B-4504-8195-ABA9E5F31D3E}"/>
+              </a:ext>
+            </a:extLst>
+          </p:cNvPr>
+          <p:cNvGrpSpPr/>
+          <p:nvPr/>
+        </p:nvGrpSpPr>
+        <p:grpSpPr>
+          <a:xfrm>
+            <a:off x="2149898" y="2521555"/>
+            <a:ext cx="7892203" cy="2693739"/>
+            <a:chOff x="3008169" y="2593983"/>
+            <a:chExt cx="7892203" cy="2693739"/>
+          </a:xfrm>
+        </p:grpSpPr>
+        <p:grpSp>
+          <p:nvGrpSpPr>
+            <p:cNvPr id="3" name="Groupe 2">
+              <a:extLst>
+                <a:ext uri="{FF2B5EF4-FFF2-40B4-BE49-F238E27FC236}">
+                  <a16:creationId xmlns:a16="http://schemas.microsoft.com/office/drawing/2014/main" id="{C66C0C7A-FAFA-8332-48DB-E6B494CD7754}"/>
+                </a:ext>
+              </a:extLst>
+            </p:cNvPr>
+            <p:cNvGrpSpPr/>
+            <p:nvPr/>
+          </p:nvGrpSpPr>
+          <p:grpSpPr>
+            <a:xfrm>
+              <a:off x="3008169" y="2593983"/>
+              <a:ext cx="7202332" cy="646331"/>
+              <a:chOff x="2968339" y="2782669"/>
+              <a:chExt cx="7202332" cy="646331"/>
+            </a:xfrm>
+          </p:grpSpPr>
+          <p:sp>
+            <p:nvSpPr>
+              <p:cNvPr id="5" name="ZoneTexte 4">
+                <a:extLst>
+                  <a:ext uri="{FF2B5EF4-FFF2-40B4-BE49-F238E27FC236}">
+                    <a16:creationId xmlns:a16="http://schemas.microsoft.com/office/drawing/2014/main" id="{800D09ED-E5E4-95FF-EAD9-6C76587283C2}"/>
+                  </a:ext>
+                </a:extLst>
+              </p:cNvPr>
+              <p:cNvSpPr txBox="1"/>
+              <p:nvPr/>
+            </p:nvSpPr>
+            <p:spPr>
+              <a:xfrm>
+                <a:off x="3842658" y="2782669"/>
+                <a:ext cx="6328013" cy="646331"/>
+              </a:xfrm>
+              <a:prstGeom prst="rect">
+                <a:avLst/>
+              </a:prstGeom>
+              <a:noFill/>
+            </p:spPr>
+            <p:txBody>
+              <a:bodyPr wrap="square" rtlCol="0">
+                <a:spAutoFit/>
+              </a:bodyPr>
+              <a:lstStyle/>
+              <a:p>
+                <a:r>
+                  <a:rPr lang="fr-FR" sz="3600" b="1" dirty="0"/>
+                  <a:t>Données sensibles</a:t>
+                </a:r>
+              </a:p>
+            </p:txBody>
+          </p:sp>
+          <p:pic>
+            <p:nvPicPr>
+              <p:cNvPr id="6" name="Image 5" descr="Une image contenant logo, symbole, capture d’écran, Graphique&#10;&#10;Le contenu généré par l’IA peut être incorrect.">
+                <a:extLst>
+                  <a:ext uri="{FF2B5EF4-FFF2-40B4-BE49-F238E27FC236}">
+                    <a16:creationId xmlns:a16="http://schemas.microsoft.com/office/drawing/2014/main" id="{8C181E43-52D8-F6FA-4CC3-E50004D8C582}"/>
+                  </a:ext>
+                </a:extLst>
+              </p:cNvPr>
+              <p:cNvPicPr>
+                <a:picLocks noChangeAspect="1"/>
+              </p:cNvPicPr>
+              <p:nvPr/>
+            </p:nvPicPr>
+            <p:blipFill>
+              <a:blip r:embed="rId2">
+                <a:extLst>
+                  <a:ext uri="{28A0092B-C50C-407E-A947-70E740481C1C}">
+                    <a14:useLocalDpi xmlns:a14="http://schemas.microsoft.com/office/drawing/2010/main" val="0"/>
+                  </a:ext>
+                </a:extLst>
+              </a:blip>
+              <a:stretch>
+                <a:fillRect/>
+              </a:stretch>
+            </p:blipFill>
+            <p:spPr>
+              <a:xfrm>
+                <a:off x="2968339" y="2782669"/>
+                <a:ext cx="591694" cy="646331"/>
+              </a:xfrm>
+              <a:prstGeom prst="rect">
+                <a:avLst/>
+              </a:prstGeom>
+            </p:spPr>
+          </p:pic>
+        </p:grpSp>
+        <p:grpSp>
+          <p:nvGrpSpPr>
+            <p:cNvPr id="7" name="Groupe 6">
+              <a:extLst>
+                <a:ext uri="{FF2B5EF4-FFF2-40B4-BE49-F238E27FC236}">
+                  <a16:creationId xmlns:a16="http://schemas.microsoft.com/office/drawing/2014/main" id="{A2319060-BFD7-B4CE-C938-E475698BD6B0}"/>
+                </a:ext>
+              </a:extLst>
+            </p:cNvPr>
+            <p:cNvGrpSpPr/>
+            <p:nvPr/>
+          </p:nvGrpSpPr>
+          <p:grpSpPr>
+            <a:xfrm>
+              <a:off x="3008169" y="3617687"/>
+              <a:ext cx="7017885" cy="646331"/>
+              <a:chOff x="2968339" y="2782669"/>
+              <a:chExt cx="7017885" cy="646331"/>
+            </a:xfrm>
+          </p:grpSpPr>
+          <p:sp>
+            <p:nvSpPr>
+              <p:cNvPr id="8" name="ZoneTexte 7">
+                <a:extLst>
+                  <a:ext uri="{FF2B5EF4-FFF2-40B4-BE49-F238E27FC236}">
+                    <a16:creationId xmlns:a16="http://schemas.microsoft.com/office/drawing/2014/main" id="{48852087-7E33-746B-2587-1D90838C594D}"/>
+                  </a:ext>
+                </a:extLst>
+              </p:cNvPr>
+              <p:cNvSpPr txBox="1"/>
+              <p:nvPr/>
+            </p:nvSpPr>
+            <p:spPr>
+              <a:xfrm>
+                <a:off x="3842658" y="2782669"/>
+                <a:ext cx="6143566" cy="646331"/>
+              </a:xfrm>
+              <a:prstGeom prst="rect">
+                <a:avLst/>
+              </a:prstGeom>
+              <a:noFill/>
+            </p:spPr>
+            <p:txBody>
+              <a:bodyPr wrap="square" rtlCol="0">
+                <a:spAutoFit/>
+              </a:bodyPr>
+              <a:lstStyle/>
+              <a:p>
+                <a:r>
+                  <a:rPr lang="fr-FR" sz="3600" b="1" dirty="0"/>
+                  <a:t>Formats d’images limités</a:t>
+                </a:r>
+              </a:p>
+            </p:txBody>
+          </p:sp>
+          <p:pic>
+            <p:nvPicPr>
+              <p:cNvPr id="10" name="Image 9" descr="Une image contenant logo, symbole, capture d’écran, Graphique&#10;&#10;Le contenu généré par l’IA peut être incorrect.">
+                <a:extLst>
+                  <a:ext uri="{FF2B5EF4-FFF2-40B4-BE49-F238E27FC236}">
+                    <a16:creationId xmlns:a16="http://schemas.microsoft.com/office/drawing/2014/main" id="{E9E148E7-0D18-4944-6170-292103085914}"/>
+                  </a:ext>
+                </a:extLst>
+              </p:cNvPr>
+              <p:cNvPicPr>
+                <a:picLocks noChangeAspect="1"/>
+              </p:cNvPicPr>
+              <p:nvPr/>
+            </p:nvPicPr>
+            <p:blipFill>
+              <a:blip r:embed="rId2">
+                <a:extLst>
+                  <a:ext uri="{28A0092B-C50C-407E-A947-70E740481C1C}">
+                    <a14:useLocalDpi xmlns:a14="http://schemas.microsoft.com/office/drawing/2010/main" val="0"/>
+                  </a:ext>
+                </a:extLst>
+              </a:blip>
+              <a:stretch>
+                <a:fillRect/>
+              </a:stretch>
+            </p:blipFill>
+            <p:spPr>
+              <a:xfrm>
+                <a:off x="2968339" y="2782669"/>
+                <a:ext cx="591694" cy="646331"/>
+              </a:xfrm>
+              <a:prstGeom prst="rect">
+                <a:avLst/>
+              </a:prstGeom>
+            </p:spPr>
+          </p:pic>
+        </p:grpSp>
+        <p:grpSp>
+          <p:nvGrpSpPr>
+            <p:cNvPr id="12" name="Groupe 11">
+              <a:extLst>
+                <a:ext uri="{FF2B5EF4-FFF2-40B4-BE49-F238E27FC236}">
+                  <a16:creationId xmlns:a16="http://schemas.microsoft.com/office/drawing/2014/main" id="{F93E901F-1474-9C8D-F0C6-CE2CC30C4924}"/>
+                </a:ext>
+              </a:extLst>
+            </p:cNvPr>
+            <p:cNvGrpSpPr/>
+            <p:nvPr/>
+          </p:nvGrpSpPr>
+          <p:grpSpPr>
+            <a:xfrm>
+              <a:off x="3008169" y="4641391"/>
+              <a:ext cx="7892203" cy="646331"/>
+              <a:chOff x="2968339" y="2782669"/>
+              <a:chExt cx="7892203" cy="646331"/>
+            </a:xfrm>
+          </p:grpSpPr>
+          <p:sp>
+            <p:nvSpPr>
+              <p:cNvPr id="13" name="ZoneTexte 12">
+                <a:extLst>
+                  <a:ext uri="{FF2B5EF4-FFF2-40B4-BE49-F238E27FC236}">
+                    <a16:creationId xmlns:a16="http://schemas.microsoft.com/office/drawing/2014/main" id="{8A7E1012-72EA-1387-FD67-E3F2601A5834}"/>
+                  </a:ext>
+                </a:extLst>
+              </p:cNvPr>
+              <p:cNvSpPr txBox="1"/>
+              <p:nvPr/>
+            </p:nvSpPr>
+            <p:spPr>
+              <a:xfrm>
+                <a:off x="3842658" y="2782669"/>
+                <a:ext cx="7017884" cy="646331"/>
+              </a:xfrm>
+              <a:prstGeom prst="rect">
+                <a:avLst/>
+              </a:prstGeom>
+              <a:noFill/>
+            </p:spPr>
+            <p:txBody>
+              <a:bodyPr wrap="square" rtlCol="0">
+                <a:spAutoFit/>
+              </a:bodyPr>
+              <a:lstStyle/>
+              <a:p>
+                <a:r>
+                  <a:rPr lang="fr-FR" sz="3600" b="1" dirty="0"/>
+                  <a:t>Temps de réponse plus long</a:t>
+                </a:r>
+              </a:p>
+            </p:txBody>
+          </p:sp>
+          <p:pic>
+            <p:nvPicPr>
+              <p:cNvPr id="14" name="Image 13" descr="Une image contenant logo, symbole, capture d’écran, Graphique&#10;&#10;Le contenu généré par l’IA peut être incorrect.">
+                <a:extLst>
+                  <a:ext uri="{FF2B5EF4-FFF2-40B4-BE49-F238E27FC236}">
+                    <a16:creationId xmlns:a16="http://schemas.microsoft.com/office/drawing/2014/main" id="{4B1C719C-EEF5-61E3-055D-A9665A9671DD}"/>
+                  </a:ext>
+                </a:extLst>
+              </p:cNvPr>
+              <p:cNvPicPr>
+                <a:picLocks noChangeAspect="1"/>
+              </p:cNvPicPr>
+              <p:nvPr/>
+            </p:nvPicPr>
+            <p:blipFill>
+              <a:blip r:embed="rId2">
+                <a:extLst>
+                  <a:ext uri="{28A0092B-C50C-407E-A947-70E740481C1C}">
+                    <a14:useLocalDpi xmlns:a14="http://schemas.microsoft.com/office/drawing/2010/main" val="0"/>
+                  </a:ext>
+                </a:extLst>
+              </a:blip>
+              <a:stretch>
+                <a:fillRect/>
+              </a:stretch>
+            </p:blipFill>
+            <p:spPr>
+              <a:xfrm>
+                <a:off x="2968339" y="2782669"/>
+                <a:ext cx="591694" cy="646331"/>
+              </a:xfrm>
+              <a:prstGeom prst="rect">
+                <a:avLst/>
+              </a:prstGeom>
+            </p:spPr>
+          </p:pic>
+        </p:grpSp>
+      </p:grpSp>
+    </p:spTree>
+    <p:extLst>
+      <p:ext uri="{BB962C8B-B14F-4D97-AF65-F5344CB8AC3E}">
+        <p14:creationId xmlns:p14="http://schemas.microsoft.com/office/powerpoint/2010/main" val="3352189493"/>
+      </p:ext>
+    </p:extLst>
+  </p:cSld>
+  <p:clrMapOvr>
+    <a:masterClrMapping/>
+  </p:clrMapOvr>
+</p:sld>
+</file>
+
+<file path=ppt/slides/slide12.xml><?xml version="1.0" encoding="utf-8"?>
+<p:sld xmlns:a="http://schemas.openxmlformats.org/drawingml/2006/main" xmlns:r="http://schemas.openxmlformats.org/officeDocument/2006/relationships" xmlns:p="http://schemas.openxmlformats.org/presentationml/2006/main">
+  <p:cSld>
+    <p:spTree>
+      <p:nvGrpSpPr>
+        <p:cNvPr id="1" name="">
+          <a:extLst>
+            <a:ext uri="{FF2B5EF4-FFF2-40B4-BE49-F238E27FC236}">
+              <a16:creationId xmlns:a16="http://schemas.microsoft.com/office/drawing/2014/main" id="{B9021A27-B7EC-FB30-9342-A2F3DF8703E7}"/>
+            </a:ext>
+          </a:extLst>
+        </p:cNvPr>
+        <p:cNvGrpSpPr/>
+        <p:nvPr/>
+      </p:nvGrpSpPr>
+      <p:grpSpPr>
+        <a:xfrm>
+          <a:off x="0" y="0"/>
+          <a:ext cx="0" cy="0"/>
+          <a:chOff x="0" y="0"/>
+          <a:chExt cx="0" cy="0"/>
+        </a:xfrm>
+      </p:grpSpPr>
+      <p:sp>
+        <p:nvSpPr>
+          <p:cNvPr id="4" name="ZoneTexte 3">
+            <a:extLst>
+              <a:ext uri="{FF2B5EF4-FFF2-40B4-BE49-F238E27FC236}">
+                <a16:creationId xmlns:a16="http://schemas.microsoft.com/office/drawing/2014/main" id="{541C67F7-08F4-2982-F800-A171113D51A0}"/>
+              </a:ext>
+            </a:extLst>
+          </p:cNvPr>
+          <p:cNvSpPr txBox="1"/>
+          <p:nvPr/>
+        </p:nvSpPr>
+        <p:spPr>
+          <a:xfrm>
+            <a:off x="1974273" y="858981"/>
+            <a:ext cx="8243454" cy="1015663"/>
+          </a:xfrm>
+          <a:prstGeom prst="rect">
+            <a:avLst/>
+          </a:prstGeom>
+          <a:noFill/>
+        </p:spPr>
+        <p:txBody>
+          <a:bodyPr wrap="square" rtlCol="0">
+            <a:spAutoFit/>
+          </a:bodyPr>
+          <a:lstStyle/>
+          <a:p>
+            <a:pPr algn="ctr"/>
+            <a:r>
+              <a:rPr lang="fr-CH" sz="6000" b="1" dirty="0">
+                <a:latin typeface="+mj-lt"/>
+                <a:cs typeface="Aharoni" panose="020F0502020204030204" pitchFamily="2" charset="-79"/>
+              </a:rPr>
+              <a:t>Combien ça coûte ?</a:t>
+            </a:r>
+          </a:p>
+        </p:txBody>
+      </p:sp>
+      <p:sp>
+        <p:nvSpPr>
+          <p:cNvPr id="36" name="Espace réservé du numéro de diapositive 35">
+            <a:extLst>
+              <a:ext uri="{FF2B5EF4-FFF2-40B4-BE49-F238E27FC236}">
+                <a16:creationId xmlns:a16="http://schemas.microsoft.com/office/drawing/2014/main" id="{73B99837-5291-B1F0-9A29-06AA7A9D2C45}"/>
+              </a:ext>
+            </a:extLst>
+          </p:cNvPr>
+          <p:cNvSpPr>
+            <a:spLocks noGrp="1"/>
+          </p:cNvSpPr>
+          <p:nvPr>
+            <p:ph type="sldNum" sz="quarter" idx="12"/>
+          </p:nvPr>
+        </p:nvSpPr>
+        <p:spPr/>
+        <p:txBody>
+          <a:bodyPr/>
+          <a:lstStyle/>
+          <a:p>
+            <a:fld id="{FE62F6A8-B166-4F31-9975-CC19BE6F7705}" type="slidenum">
+              <a:rPr lang="fr-CH" smtClean="0"/>
+              <a:t>12</a:t>
+            </a:fld>
+            <a:endParaRPr lang="fr-CH"/>
+          </a:p>
+        </p:txBody>
+      </p:sp>
+      <p:sp>
+        <p:nvSpPr>
+          <p:cNvPr id="37" name="Espace réservé de la date 36">
+            <a:extLst>
+              <a:ext uri="{FF2B5EF4-FFF2-40B4-BE49-F238E27FC236}">
+                <a16:creationId xmlns:a16="http://schemas.microsoft.com/office/drawing/2014/main" id="{03516FA7-F55D-7FA0-4D05-4D363FA02454}"/>
+              </a:ext>
+            </a:extLst>
+          </p:cNvPr>
+          <p:cNvSpPr>
+            <a:spLocks noGrp="1"/>
+          </p:cNvSpPr>
+          <p:nvPr>
+            <p:ph type="dt" sz="half" idx="10"/>
+          </p:nvPr>
+        </p:nvSpPr>
+        <p:spPr/>
+        <p:txBody>
+          <a:bodyPr/>
+          <a:lstStyle/>
+          <a:p>
+            <a:fld id="{6968AD06-E157-493F-80B4-D565F843D9AF}" type="datetime1">
+              <a:rPr lang="fr-CH" smtClean="0"/>
+              <a:t>08.06.2025</a:t>
+            </a:fld>
+            <a:endParaRPr lang="fr-CH"/>
+          </a:p>
+        </p:txBody>
+      </p:sp>
+      <p:sp>
+        <p:nvSpPr>
+          <p:cNvPr id="38" name="Espace réservé du pied de page 37">
+            <a:extLst>
+              <a:ext uri="{FF2B5EF4-FFF2-40B4-BE49-F238E27FC236}">
+                <a16:creationId xmlns:a16="http://schemas.microsoft.com/office/drawing/2014/main" id="{E9297504-CAD4-F789-25B2-7BB7A5CF3AAA}"/>
+              </a:ext>
+            </a:extLst>
+          </p:cNvPr>
+          <p:cNvSpPr>
+            <a:spLocks noGrp="1"/>
+          </p:cNvSpPr>
+          <p:nvPr>
+            <p:ph type="ftr" sz="quarter" idx="11"/>
+          </p:nvPr>
+        </p:nvSpPr>
+        <p:spPr/>
+        <p:txBody>
+          <a:bodyPr/>
+          <a:lstStyle/>
+          <a:p>
+            <a:r>
+              <a:rPr lang="fr-CH"/>
+              <a:t>CLD-WS-GrF</a:t>
+            </a:r>
+          </a:p>
+        </p:txBody>
+      </p:sp>
+      <p:pic>
+        <p:nvPicPr>
+          <p:cNvPr id="16" name="Image 15">
+            <a:extLst>
+              <a:ext uri="{FF2B5EF4-FFF2-40B4-BE49-F238E27FC236}">
+                <a16:creationId xmlns:a16="http://schemas.microsoft.com/office/drawing/2014/main" id="{F848353B-825C-53EC-0522-9A43F3E5DAC7}"/>
+              </a:ext>
+            </a:extLst>
+          </p:cNvPr>
+          <p:cNvPicPr>
+            <a:picLocks noChangeAspect="1"/>
+          </p:cNvPicPr>
+          <p:nvPr/>
+        </p:nvPicPr>
+        <p:blipFill>
+          <a:blip r:embed="rId2"/>
+          <a:stretch>
+            <a:fillRect/>
+          </a:stretch>
+        </p:blipFill>
+        <p:spPr>
+          <a:xfrm>
+            <a:off x="2073673" y="2225913"/>
+            <a:ext cx="8044653" cy="3389715"/>
+          </a:xfrm>
+          <a:prstGeom prst="rect">
+            <a:avLst/>
+          </a:prstGeom>
+        </p:spPr>
+      </p:pic>
+    </p:spTree>
+    <p:extLst>
+      <p:ext uri="{BB962C8B-B14F-4D97-AF65-F5344CB8AC3E}">
+        <p14:creationId xmlns:p14="http://schemas.microsoft.com/office/powerpoint/2010/main" val="513582243"/>
+      </p:ext>
+    </p:extLst>
+  </p:cSld>
+  <p:clrMapOvr>
+    <a:masterClrMapping/>
+  </p:clrMapOvr>
+</p:sld>
+</file>
+
+<file path=ppt/slides/slide13.xml><?xml version="1.0" encoding="utf-8"?>
+<p:sld xmlns:a="http://schemas.openxmlformats.org/drawingml/2006/main" xmlns:r="http://schemas.openxmlformats.org/officeDocument/2006/relationships" xmlns:p="http://schemas.openxmlformats.org/presentationml/2006/main">
+  <p:cSld>
+    <p:spTree>
+      <p:nvGrpSpPr>
+        <p:cNvPr id="1" name="">
+          <a:extLst>
+            <a:ext uri="{FF2B5EF4-FFF2-40B4-BE49-F238E27FC236}">
+              <a16:creationId xmlns:a16="http://schemas.microsoft.com/office/drawing/2014/main" id="{D430E2BF-28C7-DC82-FE89-86D410BC5237}"/>
+            </a:ext>
+          </a:extLst>
+        </p:cNvPr>
+        <p:cNvGrpSpPr/>
+        <p:nvPr/>
+      </p:nvGrpSpPr>
+      <p:grpSpPr>
+        <a:xfrm>
+          <a:off x="0" y="0"/>
+          <a:ext cx="0" cy="0"/>
+          <a:chOff x="0" y="0"/>
+          <a:chExt cx="0" cy="0"/>
+        </a:xfrm>
+      </p:grpSpPr>
+      <p:sp>
+        <p:nvSpPr>
+          <p:cNvPr id="4" name="ZoneTexte 3">
+            <a:extLst>
+              <a:ext uri="{FF2B5EF4-FFF2-40B4-BE49-F238E27FC236}">
+                <a16:creationId xmlns:a16="http://schemas.microsoft.com/office/drawing/2014/main" id="{97522750-60D5-FDD2-9756-7E46C4000A42}"/>
+              </a:ext>
+            </a:extLst>
+          </p:cNvPr>
+          <p:cNvSpPr txBox="1"/>
+          <p:nvPr/>
+        </p:nvSpPr>
+        <p:spPr>
+          <a:xfrm>
+            <a:off x="1974273" y="858981"/>
+            <a:ext cx="8243454" cy="1015663"/>
+          </a:xfrm>
+          <a:prstGeom prst="rect">
+            <a:avLst/>
+          </a:prstGeom>
+          <a:noFill/>
+        </p:spPr>
+        <p:txBody>
+          <a:bodyPr wrap="square" rtlCol="0">
+            <a:spAutoFit/>
+          </a:bodyPr>
+          <a:lstStyle/>
+          <a:p>
+            <a:pPr algn="ctr"/>
+            <a:r>
+              <a:rPr lang="fr-CH" sz="6000" b="1" dirty="0">
+                <a:latin typeface="+mj-lt"/>
+                <a:cs typeface="Aharoni" panose="020F0502020204030204" pitchFamily="2" charset="-79"/>
+              </a:rPr>
+              <a:t>Et dans notre cas ?</a:t>
+            </a:r>
+          </a:p>
+        </p:txBody>
+      </p:sp>
+      <p:sp>
+        <p:nvSpPr>
+          <p:cNvPr id="36" name="Espace réservé du numéro de diapositive 35">
+            <a:extLst>
+              <a:ext uri="{FF2B5EF4-FFF2-40B4-BE49-F238E27FC236}">
+                <a16:creationId xmlns:a16="http://schemas.microsoft.com/office/drawing/2014/main" id="{2A282493-F73D-F3A2-4907-B0E5C3C93F59}"/>
+              </a:ext>
+            </a:extLst>
+          </p:cNvPr>
+          <p:cNvSpPr>
+            <a:spLocks noGrp="1"/>
+          </p:cNvSpPr>
+          <p:nvPr>
+            <p:ph type="sldNum" sz="quarter" idx="12"/>
+          </p:nvPr>
+        </p:nvSpPr>
+        <p:spPr/>
+        <p:txBody>
+          <a:bodyPr/>
+          <a:lstStyle/>
+          <a:p>
+            <a:fld id="{FE62F6A8-B166-4F31-9975-CC19BE6F7705}" type="slidenum">
+              <a:rPr lang="fr-CH" smtClean="0"/>
+              <a:t>13</a:t>
+            </a:fld>
+            <a:endParaRPr lang="fr-CH"/>
+          </a:p>
+        </p:txBody>
+      </p:sp>
+      <p:sp>
+        <p:nvSpPr>
+          <p:cNvPr id="37" name="Espace réservé de la date 36">
+            <a:extLst>
+              <a:ext uri="{FF2B5EF4-FFF2-40B4-BE49-F238E27FC236}">
+                <a16:creationId xmlns:a16="http://schemas.microsoft.com/office/drawing/2014/main" id="{1579E549-2A33-5B2B-F57A-AB1AB334B6AE}"/>
+              </a:ext>
+            </a:extLst>
+          </p:cNvPr>
+          <p:cNvSpPr>
+            <a:spLocks noGrp="1"/>
+          </p:cNvSpPr>
+          <p:nvPr>
+            <p:ph type="dt" sz="half" idx="10"/>
+          </p:nvPr>
+        </p:nvSpPr>
+        <p:spPr/>
+        <p:txBody>
+          <a:bodyPr/>
+          <a:lstStyle/>
+          <a:p>
+            <a:fld id="{6968AD06-E157-493F-80B4-D565F843D9AF}" type="datetime1">
+              <a:rPr lang="fr-CH" smtClean="0"/>
+              <a:t>08.06.2025</a:t>
+            </a:fld>
+            <a:endParaRPr lang="fr-CH"/>
+          </a:p>
+        </p:txBody>
+      </p:sp>
+      <p:sp>
+        <p:nvSpPr>
+          <p:cNvPr id="38" name="Espace réservé du pied de page 37">
+            <a:extLst>
+              <a:ext uri="{FF2B5EF4-FFF2-40B4-BE49-F238E27FC236}">
+                <a16:creationId xmlns:a16="http://schemas.microsoft.com/office/drawing/2014/main" id="{BB675805-ECC9-C4CD-1973-106BC24BE58D}"/>
+              </a:ext>
+            </a:extLst>
+          </p:cNvPr>
+          <p:cNvSpPr>
+            <a:spLocks noGrp="1"/>
+          </p:cNvSpPr>
+          <p:nvPr>
+            <p:ph type="ftr" sz="quarter" idx="11"/>
+          </p:nvPr>
+        </p:nvSpPr>
+        <p:spPr/>
+        <p:txBody>
+          <a:bodyPr/>
+          <a:lstStyle/>
+          <a:p>
+            <a:r>
+              <a:rPr lang="fr-CH"/>
+              <a:t>CLD-WS-GrF</a:t>
+            </a:r>
+          </a:p>
+        </p:txBody>
+      </p:sp>
+      <p:grpSp>
+        <p:nvGrpSpPr>
+          <p:cNvPr id="2" name="Groupe 1">
+            <a:extLst>
+              <a:ext uri="{FF2B5EF4-FFF2-40B4-BE49-F238E27FC236}">
+                <a16:creationId xmlns:a16="http://schemas.microsoft.com/office/drawing/2014/main" id="{42C5A3C6-ED47-8326-1034-D28C40CD5A7E}"/>
+              </a:ext>
+            </a:extLst>
+          </p:cNvPr>
+          <p:cNvGrpSpPr/>
+          <p:nvPr/>
+        </p:nvGrpSpPr>
+        <p:grpSpPr>
+          <a:xfrm>
+            <a:off x="1802244" y="2289618"/>
+            <a:ext cx="9378786" cy="2693739"/>
+            <a:chOff x="3008169" y="2593983"/>
+            <a:chExt cx="9378786" cy="2693739"/>
+          </a:xfrm>
+        </p:grpSpPr>
+        <p:grpSp>
+          <p:nvGrpSpPr>
+            <p:cNvPr id="3" name="Groupe 2">
+              <a:extLst>
+                <a:ext uri="{FF2B5EF4-FFF2-40B4-BE49-F238E27FC236}">
+                  <a16:creationId xmlns:a16="http://schemas.microsoft.com/office/drawing/2014/main" id="{488988F1-DB76-B867-0ABE-E174BB78C081}"/>
+                </a:ext>
+              </a:extLst>
+            </p:cNvPr>
+            <p:cNvGrpSpPr/>
+            <p:nvPr/>
+          </p:nvGrpSpPr>
+          <p:grpSpPr>
+            <a:xfrm>
+              <a:off x="3008169" y="2593983"/>
+              <a:ext cx="6175662" cy="646331"/>
+              <a:chOff x="2968339" y="2782669"/>
+              <a:chExt cx="6175662" cy="646331"/>
+            </a:xfrm>
+          </p:grpSpPr>
+          <p:sp>
+            <p:nvSpPr>
+              <p:cNvPr id="11" name="ZoneTexte 10">
+                <a:extLst>
+                  <a:ext uri="{FF2B5EF4-FFF2-40B4-BE49-F238E27FC236}">
+                    <a16:creationId xmlns:a16="http://schemas.microsoft.com/office/drawing/2014/main" id="{26177072-6DC0-E2E0-C73C-68F8A2C7C9B1}"/>
+                  </a:ext>
+                </a:extLst>
+              </p:cNvPr>
+              <p:cNvSpPr txBox="1"/>
+              <p:nvPr/>
+            </p:nvSpPr>
+            <p:spPr>
+              <a:xfrm>
+                <a:off x="3842658" y="2782669"/>
+                <a:ext cx="5301343" cy="646331"/>
+              </a:xfrm>
+              <a:prstGeom prst="rect">
+                <a:avLst/>
+              </a:prstGeom>
+              <a:noFill/>
+            </p:spPr>
+            <p:txBody>
+              <a:bodyPr wrap="square" rtlCol="0">
+                <a:spAutoFit/>
+              </a:bodyPr>
+              <a:lstStyle/>
+              <a:p>
+                <a:r>
+                  <a:rPr lang="fr-FR" sz="3600" b="1" dirty="0"/>
+                  <a:t>5000 utilisateurs actifs</a:t>
+                </a:r>
+              </a:p>
+            </p:txBody>
+          </p:sp>
+          <p:pic>
+            <p:nvPicPr>
+              <p:cNvPr id="12" name="Image 11" descr="Une image contenant logo, symbole, capture d’écran, Graphique&#10;&#10;Le contenu généré par l’IA peut être incorrect.">
+                <a:extLst>
+                  <a:ext uri="{FF2B5EF4-FFF2-40B4-BE49-F238E27FC236}">
+                    <a16:creationId xmlns:a16="http://schemas.microsoft.com/office/drawing/2014/main" id="{29A03674-3A56-038E-7D02-95E3B8F52982}"/>
+                  </a:ext>
+                </a:extLst>
+              </p:cNvPr>
+              <p:cNvPicPr>
+                <a:picLocks noChangeAspect="1"/>
+              </p:cNvPicPr>
+              <p:nvPr/>
+            </p:nvPicPr>
+            <p:blipFill>
+              <a:blip r:embed="rId2">
+                <a:extLst>
+                  <a:ext uri="{28A0092B-C50C-407E-A947-70E740481C1C}">
+                    <a14:useLocalDpi xmlns:a14="http://schemas.microsoft.com/office/drawing/2010/main" val="0"/>
+                  </a:ext>
+                </a:extLst>
+              </a:blip>
+              <a:stretch>
+                <a:fillRect/>
+              </a:stretch>
+            </p:blipFill>
+            <p:spPr>
+              <a:xfrm>
+                <a:off x="2968339" y="2782669"/>
+                <a:ext cx="591694" cy="646331"/>
+              </a:xfrm>
+              <a:prstGeom prst="rect">
+                <a:avLst/>
+              </a:prstGeom>
+            </p:spPr>
+          </p:pic>
+        </p:grpSp>
+        <p:grpSp>
+          <p:nvGrpSpPr>
+            <p:cNvPr id="5" name="Groupe 4">
+              <a:extLst>
+                <a:ext uri="{FF2B5EF4-FFF2-40B4-BE49-F238E27FC236}">
+                  <a16:creationId xmlns:a16="http://schemas.microsoft.com/office/drawing/2014/main" id="{4E6D6AA2-95FB-9A04-E452-F5D150FDA966}"/>
+                </a:ext>
+              </a:extLst>
+            </p:cNvPr>
+            <p:cNvGrpSpPr/>
+            <p:nvPr/>
+          </p:nvGrpSpPr>
+          <p:grpSpPr>
+            <a:xfrm>
+              <a:off x="3008169" y="3617687"/>
+              <a:ext cx="7857804" cy="646331"/>
+              <a:chOff x="2968339" y="2782669"/>
+              <a:chExt cx="7857804" cy="646331"/>
+            </a:xfrm>
+          </p:grpSpPr>
+          <p:sp>
+            <p:nvSpPr>
+              <p:cNvPr id="9" name="ZoneTexte 8">
+                <a:extLst>
+                  <a:ext uri="{FF2B5EF4-FFF2-40B4-BE49-F238E27FC236}">
+                    <a16:creationId xmlns:a16="http://schemas.microsoft.com/office/drawing/2014/main" id="{5035F4C9-6390-EFB4-148C-49351F3E61B0}"/>
+                  </a:ext>
+                </a:extLst>
+              </p:cNvPr>
+              <p:cNvSpPr txBox="1"/>
+              <p:nvPr/>
+            </p:nvSpPr>
+            <p:spPr>
+              <a:xfrm>
+                <a:off x="3842658" y="2782669"/>
+                <a:ext cx="6983485" cy="646331"/>
+              </a:xfrm>
+              <a:prstGeom prst="rect">
+                <a:avLst/>
+              </a:prstGeom>
+              <a:noFill/>
+            </p:spPr>
+            <p:txBody>
+              <a:bodyPr wrap="square" rtlCol="0">
+                <a:spAutoFit/>
+              </a:bodyPr>
+              <a:lstStyle/>
+              <a:p>
+                <a:r>
+                  <a:rPr lang="fr-FR" sz="3600" b="1" dirty="0"/>
+                  <a:t>10 requêtes par mois / user</a:t>
+                </a:r>
+              </a:p>
+            </p:txBody>
+          </p:sp>
+          <p:pic>
+            <p:nvPicPr>
+              <p:cNvPr id="10" name="Image 9" descr="Une image contenant logo, symbole, capture d’écran, Graphique&#10;&#10;Le contenu généré par l’IA peut être incorrect.">
+                <a:extLst>
+                  <a:ext uri="{FF2B5EF4-FFF2-40B4-BE49-F238E27FC236}">
+                    <a16:creationId xmlns:a16="http://schemas.microsoft.com/office/drawing/2014/main" id="{DED4C51C-3DFD-988E-9B3A-BA2E8451BE3F}"/>
+                  </a:ext>
+                </a:extLst>
+              </p:cNvPr>
+              <p:cNvPicPr>
+                <a:picLocks noChangeAspect="1"/>
+              </p:cNvPicPr>
+              <p:nvPr/>
+            </p:nvPicPr>
+            <p:blipFill>
+              <a:blip r:embed="rId2">
+                <a:extLst>
+                  <a:ext uri="{28A0092B-C50C-407E-A947-70E740481C1C}">
+                    <a14:useLocalDpi xmlns:a14="http://schemas.microsoft.com/office/drawing/2010/main" val="0"/>
+                  </a:ext>
+                </a:extLst>
+              </a:blip>
+              <a:stretch>
+                <a:fillRect/>
+              </a:stretch>
+            </p:blipFill>
+            <p:spPr>
+              <a:xfrm>
+                <a:off x="2968339" y="2782669"/>
+                <a:ext cx="591694" cy="646331"/>
+              </a:xfrm>
+              <a:prstGeom prst="rect">
+                <a:avLst/>
+              </a:prstGeom>
+            </p:spPr>
+          </p:pic>
+        </p:grpSp>
+        <p:grpSp>
+          <p:nvGrpSpPr>
+            <p:cNvPr id="6" name="Groupe 5">
+              <a:extLst>
+                <a:ext uri="{FF2B5EF4-FFF2-40B4-BE49-F238E27FC236}">
+                  <a16:creationId xmlns:a16="http://schemas.microsoft.com/office/drawing/2014/main" id="{BAB2E477-2CCA-60B9-62B7-B967E9F185BF}"/>
+                </a:ext>
+              </a:extLst>
+            </p:cNvPr>
+            <p:cNvGrpSpPr/>
+            <p:nvPr/>
+          </p:nvGrpSpPr>
+          <p:grpSpPr>
+            <a:xfrm>
+              <a:off x="3008169" y="4641391"/>
+              <a:ext cx="9378786" cy="646331"/>
+              <a:chOff x="2968339" y="2782669"/>
+              <a:chExt cx="9378786" cy="646331"/>
+            </a:xfrm>
+          </p:grpSpPr>
+          <p:sp>
+            <p:nvSpPr>
+              <p:cNvPr id="7" name="ZoneTexte 6">
+                <a:extLst>
+                  <a:ext uri="{FF2B5EF4-FFF2-40B4-BE49-F238E27FC236}">
+                    <a16:creationId xmlns:a16="http://schemas.microsoft.com/office/drawing/2014/main" id="{D29CC885-18DB-86B8-3E91-2152A2CC83CB}"/>
+                  </a:ext>
+                </a:extLst>
+              </p:cNvPr>
+              <p:cNvSpPr txBox="1"/>
+              <p:nvPr/>
+            </p:nvSpPr>
+            <p:spPr>
+              <a:xfrm>
+                <a:off x="3842657" y="2782669"/>
+                <a:ext cx="8504468" cy="646331"/>
+              </a:xfrm>
+              <a:prstGeom prst="rect">
+                <a:avLst/>
+              </a:prstGeom>
+              <a:noFill/>
+            </p:spPr>
+            <p:txBody>
+              <a:bodyPr wrap="square" rtlCol="0">
+                <a:spAutoFit/>
+              </a:bodyPr>
+              <a:lstStyle/>
+              <a:p>
+                <a:r>
+                  <a:rPr lang="fr-FR" sz="3600" b="1" dirty="0"/>
+                  <a:t>(5000*10*3) – 1000 = 149’000 à 0,0015$</a:t>
+                </a:r>
+              </a:p>
+            </p:txBody>
+          </p:sp>
+          <p:pic>
+            <p:nvPicPr>
+              <p:cNvPr id="8" name="Image 7" descr="Une image contenant logo, symbole, capture d’écran, Graphique&#10;&#10;Le contenu généré par l’IA peut être incorrect.">
+                <a:extLst>
+                  <a:ext uri="{FF2B5EF4-FFF2-40B4-BE49-F238E27FC236}">
+                    <a16:creationId xmlns:a16="http://schemas.microsoft.com/office/drawing/2014/main" id="{8625C7A8-3761-7DE7-53B0-212DABA2763B}"/>
+                  </a:ext>
+                </a:extLst>
+              </p:cNvPr>
+              <p:cNvPicPr>
+                <a:picLocks noChangeAspect="1"/>
+              </p:cNvPicPr>
+              <p:nvPr/>
+            </p:nvPicPr>
+            <p:blipFill>
+              <a:blip r:embed="rId2">
+                <a:extLst>
+                  <a:ext uri="{28A0092B-C50C-407E-A947-70E740481C1C}">
+                    <a14:useLocalDpi xmlns:a14="http://schemas.microsoft.com/office/drawing/2010/main" val="0"/>
+                  </a:ext>
+                </a:extLst>
+              </a:blip>
+              <a:stretch>
+                <a:fillRect/>
+              </a:stretch>
+            </p:blipFill>
+            <p:spPr>
+              <a:xfrm>
+                <a:off x="2968339" y="2782669"/>
+                <a:ext cx="591694" cy="646331"/>
+              </a:xfrm>
+              <a:prstGeom prst="rect">
+                <a:avLst/>
+              </a:prstGeom>
+            </p:spPr>
+          </p:pic>
+        </p:grpSp>
+      </p:grpSp>
+      <p:sp>
+        <p:nvSpPr>
+          <p:cNvPr id="13" name="ZoneTexte 12">
+            <a:extLst>
+              <a:ext uri="{FF2B5EF4-FFF2-40B4-BE49-F238E27FC236}">
+                <a16:creationId xmlns:a16="http://schemas.microsoft.com/office/drawing/2014/main" id="{A123BEFC-EB32-139D-ADDD-10132227DFDB}"/>
+              </a:ext>
+            </a:extLst>
+          </p:cNvPr>
+          <p:cNvSpPr txBox="1"/>
+          <p:nvPr/>
+        </p:nvSpPr>
+        <p:spPr>
+          <a:xfrm>
+            <a:off x="4508715" y="5332646"/>
+            <a:ext cx="3174569" cy="646331"/>
+          </a:xfrm>
+          <a:prstGeom prst="rect">
+            <a:avLst/>
+          </a:prstGeom>
+          <a:noFill/>
+        </p:spPr>
+        <p:txBody>
+          <a:bodyPr wrap="square" rtlCol="0">
+            <a:spAutoFit/>
+          </a:bodyPr>
+          <a:lstStyle/>
+          <a:p>
+            <a:pPr algn="ctr"/>
+            <a:r>
+              <a:rPr lang="fr-FR" sz="3600" b="1" dirty="0">
+                <a:solidFill>
+                  <a:schemeClr val="accent6"/>
+                </a:solidFill>
+              </a:rPr>
+              <a:t>223,5$ / mois </a:t>
+            </a:r>
+          </a:p>
+        </p:txBody>
+      </p:sp>
+      <p:pic>
+        <p:nvPicPr>
+          <p:cNvPr id="15" name="Image 14" descr="Une image contenant gant&#10;&#10;Le contenu généré par l’IA peut être incorrect.">
+            <a:extLst>
+              <a:ext uri="{FF2B5EF4-FFF2-40B4-BE49-F238E27FC236}">
+                <a16:creationId xmlns:a16="http://schemas.microsoft.com/office/drawing/2014/main" id="{16C62420-F9E2-21D2-25AE-7E04CE280B09}"/>
+              </a:ext>
+            </a:extLst>
+          </p:cNvPr>
+          <p:cNvPicPr>
+            <a:picLocks noChangeAspect="1"/>
+          </p:cNvPicPr>
+          <p:nvPr/>
+        </p:nvPicPr>
+        <p:blipFill>
+          <a:blip r:embed="rId3">
+            <a:extLst>
+              <a:ext uri="{28A0092B-C50C-407E-A947-70E740481C1C}">
+                <a14:useLocalDpi xmlns:a14="http://schemas.microsoft.com/office/drawing/2010/main" val="0"/>
+              </a:ext>
+            </a:extLst>
+          </a:blip>
+          <a:stretch>
+            <a:fillRect/>
+          </a:stretch>
+        </p:blipFill>
+        <p:spPr>
+          <a:xfrm>
+            <a:off x="3401085" y="5288199"/>
+            <a:ext cx="879463" cy="879463"/>
+          </a:xfrm>
+          <a:prstGeom prst="rect">
+            <a:avLst/>
+          </a:prstGeom>
+        </p:spPr>
+      </p:pic>
+      <p:pic>
+        <p:nvPicPr>
+          <p:cNvPr id="17" name="Image 16" descr="Une image contenant gant&#10;&#10;Le contenu généré par l’IA peut être incorrect.">
+            <a:extLst>
+              <a:ext uri="{FF2B5EF4-FFF2-40B4-BE49-F238E27FC236}">
+                <a16:creationId xmlns:a16="http://schemas.microsoft.com/office/drawing/2014/main" id="{0318B2E4-AC46-AB88-B7E8-7791090F524E}"/>
+              </a:ext>
+            </a:extLst>
+          </p:cNvPr>
+          <p:cNvPicPr>
+            <a:picLocks noChangeAspect="1"/>
+          </p:cNvPicPr>
+          <p:nvPr/>
+        </p:nvPicPr>
+        <p:blipFill>
+          <a:blip r:embed="rId3">
+            <a:extLst>
+              <a:ext uri="{28A0092B-C50C-407E-A947-70E740481C1C}">
+                <a14:useLocalDpi xmlns:a14="http://schemas.microsoft.com/office/drawing/2010/main" val="0"/>
+              </a:ext>
+            </a:extLst>
+          </a:blip>
+          <a:stretch>
+            <a:fillRect/>
+          </a:stretch>
+        </p:blipFill>
+        <p:spPr>
+          <a:xfrm>
+            <a:off x="7911451" y="5288200"/>
+            <a:ext cx="879463" cy="879463"/>
+          </a:xfrm>
+          <a:prstGeom prst="rect">
+            <a:avLst/>
+          </a:prstGeom>
+        </p:spPr>
+      </p:pic>
+    </p:spTree>
+    <p:extLst>
+      <p:ext uri="{BB962C8B-B14F-4D97-AF65-F5344CB8AC3E}">
+        <p14:creationId xmlns:p14="http://schemas.microsoft.com/office/powerpoint/2010/main" val="320913114"/>
+      </p:ext>
+    </p:extLst>
+  </p:cSld>
+  <p:clrMapOvr>
+    <a:masterClrMapping/>
+  </p:clrMapOvr>
+</p:sld>
+</file>
+
+<file path=ppt/slides/slide14.xml><?xml version="1.0" encoding="utf-8"?>
+<p:sld xmlns:a="http://schemas.openxmlformats.org/drawingml/2006/main" xmlns:r="http://schemas.openxmlformats.org/officeDocument/2006/relationships" xmlns:p="http://schemas.openxmlformats.org/presentationml/2006/main">
+  <p:cSld>
+    <p:spTree>
+      <p:nvGrpSpPr>
+        <p:cNvPr id="1" name="">
+          <a:extLst>
+            <a:ext uri="{FF2B5EF4-FFF2-40B4-BE49-F238E27FC236}">
+              <a16:creationId xmlns:a16="http://schemas.microsoft.com/office/drawing/2014/main" id="{46E46CDE-F191-1013-655C-82036797BB9A}"/>
+            </a:ext>
+          </a:extLst>
+        </p:cNvPr>
+        <p:cNvGrpSpPr/>
+        <p:nvPr/>
+      </p:nvGrpSpPr>
+      <p:grpSpPr>
+        <a:xfrm>
+          <a:off x="0" y="0"/>
+          <a:ext cx="0" cy="0"/>
+          <a:chOff x="0" y="0"/>
+          <a:chExt cx="0" cy="0"/>
+        </a:xfrm>
+      </p:grpSpPr>
+      <p:sp>
+        <p:nvSpPr>
+          <p:cNvPr id="4" name="ZoneTexte 3">
+            <a:extLst>
+              <a:ext uri="{FF2B5EF4-FFF2-40B4-BE49-F238E27FC236}">
+                <a16:creationId xmlns:a16="http://schemas.microsoft.com/office/drawing/2014/main" id="{31E233EF-FDB2-7722-D7BF-42459975CFC2}"/>
+              </a:ext>
+            </a:extLst>
+          </p:cNvPr>
+          <p:cNvSpPr txBox="1"/>
+          <p:nvPr/>
+        </p:nvSpPr>
+        <p:spPr>
+          <a:xfrm>
+            <a:off x="1974273" y="2921168"/>
+            <a:ext cx="8243454" cy="1015663"/>
+          </a:xfrm>
+          <a:prstGeom prst="rect">
+            <a:avLst/>
+          </a:prstGeom>
+          <a:noFill/>
+        </p:spPr>
+        <p:txBody>
+          <a:bodyPr wrap="square" rtlCol="0">
+            <a:spAutoFit/>
+          </a:bodyPr>
+          <a:lstStyle/>
+          <a:p>
+            <a:pPr algn="ctr"/>
+            <a:r>
+              <a:rPr lang="fr-CH" sz="6000" b="1" dirty="0">
+                <a:latin typeface="+mj-lt"/>
+                <a:cs typeface="Aharoni" panose="020F0502020204030204" pitchFamily="2" charset="-79"/>
+              </a:rPr>
+              <a:t>Merci :)</a:t>
+            </a:r>
+          </a:p>
+        </p:txBody>
+      </p:sp>
+      <p:sp>
+        <p:nvSpPr>
+          <p:cNvPr id="36" name="Espace réservé du numéro de diapositive 35">
+            <a:extLst>
+              <a:ext uri="{FF2B5EF4-FFF2-40B4-BE49-F238E27FC236}">
+                <a16:creationId xmlns:a16="http://schemas.microsoft.com/office/drawing/2014/main" id="{19E084CD-12E7-30FA-B7B5-070287F43F2D}"/>
+              </a:ext>
+            </a:extLst>
+          </p:cNvPr>
+          <p:cNvSpPr>
+            <a:spLocks noGrp="1"/>
+          </p:cNvSpPr>
+          <p:nvPr>
+            <p:ph type="sldNum" sz="quarter" idx="12"/>
+          </p:nvPr>
+        </p:nvSpPr>
+        <p:spPr/>
+        <p:txBody>
+          <a:bodyPr/>
+          <a:lstStyle/>
+          <a:p>
+            <a:fld id="{FE62F6A8-B166-4F31-9975-CC19BE6F7705}" type="slidenum">
+              <a:rPr lang="fr-CH" smtClean="0"/>
+              <a:t>14</a:t>
+            </a:fld>
+            <a:endParaRPr lang="fr-CH"/>
+          </a:p>
+        </p:txBody>
+      </p:sp>
+      <p:sp>
+        <p:nvSpPr>
+          <p:cNvPr id="37" name="Espace réservé de la date 36">
+            <a:extLst>
+              <a:ext uri="{FF2B5EF4-FFF2-40B4-BE49-F238E27FC236}">
+                <a16:creationId xmlns:a16="http://schemas.microsoft.com/office/drawing/2014/main" id="{728F94C9-5A67-F40E-5ABE-EFA62174A729}"/>
+              </a:ext>
+            </a:extLst>
+          </p:cNvPr>
+          <p:cNvSpPr>
+            <a:spLocks noGrp="1"/>
+          </p:cNvSpPr>
+          <p:nvPr>
+            <p:ph type="dt" sz="half" idx="10"/>
+          </p:nvPr>
+        </p:nvSpPr>
+        <p:spPr/>
+        <p:txBody>
+          <a:bodyPr/>
+          <a:lstStyle/>
+          <a:p>
+            <a:fld id="{6968AD06-E157-493F-80B4-D565F843D9AF}" type="datetime1">
+              <a:rPr lang="fr-CH" smtClean="0"/>
+              <a:t>08.06.2025</a:t>
+            </a:fld>
+            <a:endParaRPr lang="fr-CH"/>
+          </a:p>
+        </p:txBody>
+      </p:sp>
+      <p:sp>
+        <p:nvSpPr>
+          <p:cNvPr id="38" name="Espace réservé du pied de page 37">
+            <a:extLst>
+              <a:ext uri="{FF2B5EF4-FFF2-40B4-BE49-F238E27FC236}">
+                <a16:creationId xmlns:a16="http://schemas.microsoft.com/office/drawing/2014/main" id="{C990BDF3-E25C-475C-01BF-B07C421A1786}"/>
+              </a:ext>
+            </a:extLst>
+          </p:cNvPr>
+          <p:cNvSpPr>
+            <a:spLocks noGrp="1"/>
+          </p:cNvSpPr>
+          <p:nvPr>
+            <p:ph type="ftr" sz="quarter" idx="11"/>
+          </p:nvPr>
+        </p:nvSpPr>
+        <p:spPr/>
+        <p:txBody>
+          <a:bodyPr/>
+          <a:lstStyle/>
+          <a:p>
+            <a:r>
+              <a:rPr lang="fr-CH"/>
+              <a:t>CLD-WS-GrF</a:t>
+            </a:r>
+          </a:p>
+        </p:txBody>
+      </p:sp>
+    </p:spTree>
+    <p:extLst>
+      <p:ext uri="{BB962C8B-B14F-4D97-AF65-F5344CB8AC3E}">
+        <p14:creationId xmlns:p14="http://schemas.microsoft.com/office/powerpoint/2010/main" val="1916975795"/>
       </p:ext>
     </p:extLst>
   </p:cSld>
@@ -5055,7 +6912,7 @@
           <a:p>
             <a:fld id="{29D045C7-96DA-4B41-A4E5-3F3CAD00DDC0}" type="datetime1">
               <a:rPr lang="fr-CH" smtClean="0"/>
-              <a:t>07.06.2025</a:t>
+              <a:t>08.06.2025</a:t>
             </a:fld>
             <a:endParaRPr lang="fr-CH"/>
           </a:p>
@@ -5492,7 +7349,7 @@
           <a:p>
             <a:fld id="{29D045C7-96DA-4B41-A4E5-3F3CAD00DDC0}" type="datetime1">
               <a:rPr lang="fr-CH" smtClean="0"/>
-              <a:t>07.06.2025</a:t>
+              <a:t>08.06.2025</a:t>
             </a:fld>
             <a:endParaRPr lang="fr-CH"/>
           </a:p>
@@ -5775,7 +7632,7 @@
           <a:p>
             <a:fld id="{29D045C7-96DA-4B41-A4E5-3F3CAD00DDC0}" type="datetime1">
               <a:rPr lang="fr-CH" smtClean="0"/>
-              <a:t>07.06.2025</a:t>
+              <a:t>08.06.2025</a:t>
             </a:fld>
             <a:endParaRPr lang="fr-CH"/>
           </a:p>
@@ -6066,7 +7923,7 @@
           <a:p>
             <a:fld id="{29D045C7-96DA-4B41-A4E5-3F3CAD00DDC0}" type="datetime1">
               <a:rPr lang="fr-CH" smtClean="0"/>
-              <a:t>07.06.2025</a:t>
+              <a:t>08.06.2025</a:t>
             </a:fld>
             <a:endParaRPr lang="fr-CH"/>
           </a:p>
@@ -6273,7 +8130,7 @@
           <a:p>
             <a:fld id="{29D045C7-96DA-4B41-A4E5-3F3CAD00DDC0}" type="datetime1">
               <a:rPr lang="fr-CH" smtClean="0"/>
-              <a:t>07.06.2025</a:t>
+              <a:t>08.06.2025</a:t>
             </a:fld>
             <a:endParaRPr lang="fr-CH"/>
           </a:p>
@@ -6567,7 +8424,7 @@
           <a:p>
             <a:fld id="{29D045C7-96DA-4B41-A4E5-3F3CAD00DDC0}" type="datetime1">
               <a:rPr lang="fr-CH" smtClean="0"/>
-              <a:t>07.06.2025</a:t>
+              <a:t>08.06.2025</a:t>
             </a:fld>
             <a:endParaRPr lang="fr-CH"/>
           </a:p>
@@ -6773,6 +8630,202 @@
         <p:cNvPr id="1" name="">
           <a:extLst>
             <a:ext uri="{FF2B5EF4-FFF2-40B4-BE49-F238E27FC236}">
+              <a16:creationId xmlns:a16="http://schemas.microsoft.com/office/drawing/2014/main" id="{07C848E3-38F6-9804-DD8D-4EA7B5755C5A}"/>
+            </a:ext>
+          </a:extLst>
+        </p:cNvPr>
+        <p:cNvGrpSpPr/>
+        <p:nvPr/>
+      </p:nvGrpSpPr>
+      <p:grpSpPr>
+        <a:xfrm>
+          <a:off x="0" y="0"/>
+          <a:ext cx="0" cy="0"/>
+          <a:chOff x="0" y="0"/>
+          <a:chExt cx="0" cy="0"/>
+        </a:xfrm>
+      </p:grpSpPr>
+      <p:sp>
+        <p:nvSpPr>
+          <p:cNvPr id="4" name="ZoneTexte 3">
+            <a:extLst>
+              <a:ext uri="{FF2B5EF4-FFF2-40B4-BE49-F238E27FC236}">
+                <a16:creationId xmlns:a16="http://schemas.microsoft.com/office/drawing/2014/main" id="{5C73353A-7A2B-CB89-47DF-A40EC39FEF7E}"/>
+              </a:ext>
+            </a:extLst>
+          </p:cNvPr>
+          <p:cNvSpPr txBox="1"/>
+          <p:nvPr/>
+        </p:nvSpPr>
+        <p:spPr>
+          <a:xfrm>
+            <a:off x="1974273" y="858981"/>
+            <a:ext cx="8243454" cy="1015663"/>
+          </a:xfrm>
+          <a:prstGeom prst="rect">
+            <a:avLst/>
+          </a:prstGeom>
+          <a:noFill/>
+        </p:spPr>
+        <p:txBody>
+          <a:bodyPr wrap="square" rtlCol="0">
+            <a:spAutoFit/>
+          </a:bodyPr>
+          <a:lstStyle/>
+          <a:p>
+            <a:pPr algn="ctr"/>
+            <a:r>
+              <a:rPr lang="fr-CH" sz="6000" b="1" dirty="0">
+                <a:cs typeface="Aharoni" panose="020F0502020204030204" pitchFamily="2" charset="-79"/>
+              </a:rPr>
+              <a:t>Localisation d’objets</a:t>
+            </a:r>
+          </a:p>
+        </p:txBody>
+      </p:sp>
+      <p:sp>
+        <p:nvSpPr>
+          <p:cNvPr id="36" name="Espace réservé du numéro de diapositive 35">
+            <a:extLst>
+              <a:ext uri="{FF2B5EF4-FFF2-40B4-BE49-F238E27FC236}">
+                <a16:creationId xmlns:a16="http://schemas.microsoft.com/office/drawing/2014/main" id="{5F20E156-8732-0CA8-C90B-53014CD8E9C9}"/>
+              </a:ext>
+            </a:extLst>
+          </p:cNvPr>
+          <p:cNvSpPr>
+            <a:spLocks noGrp="1"/>
+          </p:cNvSpPr>
+          <p:nvPr>
+            <p:ph type="sldNum" sz="quarter" idx="12"/>
+          </p:nvPr>
+        </p:nvSpPr>
+        <p:spPr/>
+        <p:txBody>
+          <a:bodyPr/>
+          <a:lstStyle/>
+          <a:p>
+            <a:fld id="{FE62F6A8-B166-4F31-9975-CC19BE6F7705}" type="slidenum">
+              <a:rPr lang="fr-CH" smtClean="0"/>
+              <a:t>8</a:t>
+            </a:fld>
+            <a:endParaRPr lang="fr-CH"/>
+          </a:p>
+        </p:txBody>
+      </p:sp>
+      <p:sp>
+        <p:nvSpPr>
+          <p:cNvPr id="3" name="Espace réservé de la date 2">
+            <a:extLst>
+              <a:ext uri="{FF2B5EF4-FFF2-40B4-BE49-F238E27FC236}">
+                <a16:creationId xmlns:a16="http://schemas.microsoft.com/office/drawing/2014/main" id="{CB4BB51A-96F7-CE95-C063-6803490052E3}"/>
+              </a:ext>
+            </a:extLst>
+          </p:cNvPr>
+          <p:cNvSpPr>
+            <a:spLocks noGrp="1"/>
+          </p:cNvSpPr>
+          <p:nvPr>
+            <p:ph type="dt" sz="half" idx="10"/>
+          </p:nvPr>
+        </p:nvSpPr>
+        <p:spPr/>
+        <p:txBody>
+          <a:bodyPr/>
+          <a:lstStyle/>
+          <a:p>
+            <a:fld id="{29D045C7-96DA-4B41-A4E5-3F3CAD00DDC0}" type="datetime1">
+              <a:rPr lang="fr-CH" smtClean="0"/>
+              <a:t>08.06.2025</a:t>
+            </a:fld>
+            <a:endParaRPr lang="fr-CH"/>
+          </a:p>
+        </p:txBody>
+      </p:sp>
+      <p:sp>
+        <p:nvSpPr>
+          <p:cNvPr id="5" name="Espace réservé du pied de page 4">
+            <a:extLst>
+              <a:ext uri="{FF2B5EF4-FFF2-40B4-BE49-F238E27FC236}">
+                <a16:creationId xmlns:a16="http://schemas.microsoft.com/office/drawing/2014/main" id="{4AE04B0F-EC47-2680-8ED9-F69F4C9F9299}"/>
+              </a:ext>
+            </a:extLst>
+          </p:cNvPr>
+          <p:cNvSpPr>
+            <a:spLocks noGrp="1"/>
+          </p:cNvSpPr>
+          <p:nvPr>
+            <p:ph type="ftr" sz="quarter" idx="11"/>
+          </p:nvPr>
+        </p:nvSpPr>
+        <p:spPr/>
+        <p:txBody>
+          <a:bodyPr/>
+          <a:lstStyle/>
+          <a:p>
+            <a:r>
+              <a:rPr lang="fr-CH"/>
+              <a:t>CLD-WS-GrF</a:t>
+            </a:r>
+          </a:p>
+        </p:txBody>
+      </p:sp>
+      <p:pic>
+        <p:nvPicPr>
+          <p:cNvPr id="7" name="Image 6" descr="Une image contenant Roue de vélo, roue, plein air, bâtiment&#10;&#10;Le contenu généré par l’IA peut être incorrect.">
+            <a:extLst>
+              <a:ext uri="{FF2B5EF4-FFF2-40B4-BE49-F238E27FC236}">
+                <a16:creationId xmlns:a16="http://schemas.microsoft.com/office/drawing/2014/main" id="{97DC1C83-2F26-A0BD-0332-1E4CF9A263E5}"/>
+              </a:ext>
+            </a:extLst>
+          </p:cNvPr>
+          <p:cNvPicPr>
+            <a:picLocks noChangeAspect="1"/>
+          </p:cNvPicPr>
+          <p:nvPr/>
+        </p:nvPicPr>
+        <p:blipFill>
+          <a:blip r:embed="rId2">
+            <a:extLst>
+              <a:ext uri="{28A0092B-C50C-407E-A947-70E740481C1C}">
+                <a14:useLocalDpi xmlns:a14="http://schemas.microsoft.com/office/drawing/2010/main" val="0"/>
+              </a:ext>
+            </a:extLst>
+          </a:blip>
+          <a:stretch>
+            <a:fillRect/>
+          </a:stretch>
+        </p:blipFill>
+        <p:spPr>
+          <a:xfrm>
+            <a:off x="3804521" y="2413721"/>
+            <a:ext cx="4582958" cy="3059434"/>
+          </a:xfrm>
+          <a:prstGeom prst="rect">
+            <a:avLst/>
+          </a:prstGeom>
+        </p:spPr>
+      </p:pic>
+    </p:spTree>
+    <p:extLst>
+      <p:ext uri="{BB962C8B-B14F-4D97-AF65-F5344CB8AC3E}">
+        <p14:creationId xmlns:p14="http://schemas.microsoft.com/office/powerpoint/2010/main" val="4030257798"/>
+      </p:ext>
+    </p:extLst>
+  </p:cSld>
+  <p:clrMapOvr>
+    <a:masterClrMapping/>
+  </p:clrMapOvr>
+</p:sld>
+</file>
+
+<file path=ppt/slides/slide9.xml><?xml version="1.0" encoding="utf-8"?>
+<p:sld xmlns:a="http://schemas.openxmlformats.org/drawingml/2006/main" xmlns:r="http://schemas.openxmlformats.org/officeDocument/2006/relationships" xmlns:p="http://schemas.openxmlformats.org/presentationml/2006/main">
+  <p:cSld>
+    <p:spTree>
+      <p:nvGrpSpPr>
+        <p:cNvPr id="1" name="">
+          <a:extLst>
+            <a:ext uri="{FF2B5EF4-FFF2-40B4-BE49-F238E27FC236}">
               <a16:creationId xmlns:a16="http://schemas.microsoft.com/office/drawing/2014/main" id="{EC9AF0E5-2637-60C5-6B8E-789FFF3838EC}"/>
             </a:ext>
           </a:extLst>
@@ -6850,7 +8903,7 @@
           <a:p>
             <a:fld id="{FE62F6A8-B166-4F31-9975-CC19BE6F7705}" type="slidenum">
               <a:rPr lang="fr-CH" smtClean="0"/>
-              <a:t>8</a:t>
+              <a:t>9</a:t>
             </a:fld>
             <a:endParaRPr lang="fr-CH"/>
           </a:p>
@@ -6879,7 +8932,7 @@
           <a:p>
             <a:fld id="{6968AD06-E157-493F-80B4-D565F843D9AF}" type="datetime1">
               <a:rPr lang="fr-CH" smtClean="0"/>
-              <a:t>07.06.2025</a:t>
+              <a:t>08.06.2025</a:t>
             </a:fld>
             <a:endParaRPr lang="fr-CH"/>
           </a:p>

--- a/presentation.pptx
+++ b/presentation.pptx
@@ -5,7 +5,7 @@
     <p:sldMasterId id="2147483648" r:id="rId1"/>
   </p:sldMasterIdLst>
   <p:notesMasterIdLst>
-    <p:notesMasterId r:id="rId16"/>
+    <p:notesMasterId r:id="rId17"/>
   </p:notesMasterIdLst>
   <p:sldIdLst>
     <p:sldId id="256" r:id="rId2"/>
@@ -16,12 +16,13 @@
     <p:sldId id="263" r:id="rId7"/>
     <p:sldId id="264" r:id="rId8"/>
     <p:sldId id="265" r:id="rId9"/>
-    <p:sldId id="257" r:id="rId10"/>
-    <p:sldId id="266" r:id="rId11"/>
-    <p:sldId id="267" r:id="rId12"/>
-    <p:sldId id="268" r:id="rId13"/>
-    <p:sldId id="269" r:id="rId14"/>
-    <p:sldId id="270" r:id="rId15"/>
+    <p:sldId id="271" r:id="rId10"/>
+    <p:sldId id="257" r:id="rId11"/>
+    <p:sldId id="266" r:id="rId12"/>
+    <p:sldId id="267" r:id="rId13"/>
+    <p:sldId id="268" r:id="rId14"/>
+    <p:sldId id="269" r:id="rId15"/>
+    <p:sldId id="270" r:id="rId16"/>
   </p:sldIdLst>
   <p:sldSz cx="12192000" cy="6858000"/>
   <p:notesSz cx="6858000" cy="9144000"/>
@@ -210,7 +211,7 @@
           <a:p>
             <a:fld id="{6F7CF302-15C8-43C4-8090-7D9B8CB76DD6}" type="datetimeFigureOut">
               <a:rPr lang="fr-CH" smtClean="0"/>
-              <a:t>08.06.2025</a:t>
+              <a:t>11.06.2025</a:t>
             </a:fld>
             <a:endParaRPr lang="fr-CH"/>
           </a:p>
@@ -627,7 +628,7 @@
           <a:p>
             <a:fld id="{37E2626F-3169-43EF-8258-3650813714B1}" type="datetime1">
               <a:rPr lang="fr-CH" smtClean="0"/>
-              <a:t>08.06.2025</a:t>
+              <a:t>11.06.2025</a:t>
             </a:fld>
             <a:endParaRPr lang="fr-CH"/>
           </a:p>
@@ -830,7 +831,7 @@
           <a:p>
             <a:fld id="{1CF9640F-840C-4BF3-BCA9-94D2FBDACA12}" type="datetime1">
               <a:rPr lang="fr-CH" smtClean="0"/>
-              <a:t>08.06.2025</a:t>
+              <a:t>11.06.2025</a:t>
             </a:fld>
             <a:endParaRPr lang="fr-CH"/>
           </a:p>
@@ -1043,7 +1044,7 @@
           <a:p>
             <a:fld id="{7A035A99-004B-479C-A7D6-FCF2ABD8B76A}" type="datetime1">
               <a:rPr lang="fr-CH" smtClean="0"/>
-              <a:t>08.06.2025</a:t>
+              <a:t>11.06.2025</a:t>
             </a:fld>
             <a:endParaRPr lang="fr-CH"/>
           </a:p>
@@ -1246,7 +1247,7 @@
           <a:p>
             <a:fld id="{C72A58D0-B6EC-4D87-A600-53641F527655}" type="datetime1">
               <a:rPr lang="fr-CH" smtClean="0"/>
-              <a:t>08.06.2025</a:t>
+              <a:t>11.06.2025</a:t>
             </a:fld>
             <a:endParaRPr lang="fr-CH"/>
           </a:p>
@@ -1525,7 +1526,7 @@
           <a:p>
             <a:fld id="{C88F0BEA-64A2-40B2-99E2-3E4EAE1EAEE6}" type="datetime1">
               <a:rPr lang="fr-CH" smtClean="0"/>
-              <a:t>08.06.2025</a:t>
+              <a:t>11.06.2025</a:t>
             </a:fld>
             <a:endParaRPr lang="fr-CH"/>
           </a:p>
@@ -1796,7 +1797,7 @@
           <a:p>
             <a:fld id="{97AE4778-8311-4FAC-9BA3-F61D708A6E5D}" type="datetime1">
               <a:rPr lang="fr-CH" smtClean="0"/>
-              <a:t>08.06.2025</a:t>
+              <a:t>11.06.2025</a:t>
             </a:fld>
             <a:endParaRPr lang="fr-CH"/>
           </a:p>
@@ -2214,7 +2215,7 @@
           <a:p>
             <a:fld id="{A25CC6CF-6354-418D-AF9B-0F9FF29398A4}" type="datetime1">
               <a:rPr lang="fr-CH" smtClean="0"/>
-              <a:t>08.06.2025</a:t>
+              <a:t>11.06.2025</a:t>
             </a:fld>
             <a:endParaRPr lang="fr-CH"/>
           </a:p>
@@ -2359,7 +2360,7 @@
           <a:p>
             <a:fld id="{C0B9C866-A3AB-4D47-9EF5-1730751AC930}" type="datetime1">
               <a:rPr lang="fr-CH" smtClean="0"/>
-              <a:t>08.06.2025</a:t>
+              <a:t>11.06.2025</a:t>
             </a:fld>
             <a:endParaRPr lang="fr-CH"/>
           </a:p>
@@ -2475,7 +2476,7 @@
           <a:p>
             <a:fld id="{E2F39C93-0DF7-4967-AF38-FCBFA43B730C}" type="datetime1">
               <a:rPr lang="fr-CH" smtClean="0"/>
-              <a:t>08.06.2025</a:t>
+              <a:t>11.06.2025</a:t>
             </a:fld>
             <a:endParaRPr lang="fr-CH"/>
           </a:p>
@@ -2791,7 +2792,7 @@
           <a:p>
             <a:fld id="{D312120A-B405-4426-B881-32455037693B}" type="datetime1">
               <a:rPr lang="fr-CH" smtClean="0"/>
-              <a:t>08.06.2025</a:t>
+              <a:t>11.06.2025</a:t>
             </a:fld>
             <a:endParaRPr lang="fr-CH"/>
           </a:p>
@@ -3083,7 +3084,7 @@
           <a:p>
             <a:fld id="{48F13229-F0DC-442B-A2FD-E996D38BC528}" type="datetime1">
               <a:rPr lang="fr-CH" smtClean="0"/>
-              <a:t>08.06.2025</a:t>
+              <a:t>11.06.2025</a:t>
             </a:fld>
             <a:endParaRPr lang="fr-CH"/>
           </a:p>
@@ -3329,7 +3330,7 @@
           <a:p>
             <a:fld id="{961D6D41-A7C7-407D-8A66-3A09DE85368B}" type="datetime1">
               <a:rPr lang="fr-CH" smtClean="0"/>
-              <a:t>08.06.2025</a:t>
+              <a:t>11.06.2025</a:t>
             </a:fld>
             <a:endParaRPr lang="fr-CH"/>
           </a:p>
@@ -4933,7 +4934,7 @@
           <a:p>
             <a:fld id="{7DD0191E-2320-4968-A224-3258627C467A}" type="datetime1">
               <a:rPr lang="fr-CH" smtClean="0"/>
-              <a:t>08.06.2025</a:t>
+              <a:t>11.06.2025</a:t>
             </a:fld>
             <a:endParaRPr lang="fr-CH" dirty="0"/>
           </a:p>
@@ -4953,6 +4954,332 @@
 </file>
 
 <file path=ppt/slides/slide10.xml><?xml version="1.0" encoding="utf-8"?>
+<p:sld xmlns:a="http://schemas.openxmlformats.org/drawingml/2006/main" xmlns:r="http://schemas.openxmlformats.org/officeDocument/2006/relationships" xmlns:p="http://schemas.openxmlformats.org/presentationml/2006/main">
+  <p:cSld>
+    <p:spTree>
+      <p:nvGrpSpPr>
+        <p:cNvPr id="1" name="">
+          <a:extLst>
+            <a:ext uri="{FF2B5EF4-FFF2-40B4-BE49-F238E27FC236}">
+              <a16:creationId xmlns:a16="http://schemas.microsoft.com/office/drawing/2014/main" id="{EC9AF0E5-2637-60C5-6B8E-789FFF3838EC}"/>
+            </a:ext>
+          </a:extLst>
+        </p:cNvPr>
+        <p:cNvGrpSpPr/>
+        <p:nvPr/>
+      </p:nvGrpSpPr>
+      <p:grpSpPr>
+        <a:xfrm>
+          <a:off x="0" y="0"/>
+          <a:ext cx="0" cy="0"/>
+          <a:chOff x="0" y="0"/>
+          <a:chExt cx="0" cy="0"/>
+        </a:xfrm>
+      </p:grpSpPr>
+      <p:sp>
+        <p:nvSpPr>
+          <p:cNvPr id="4" name="ZoneTexte 3">
+            <a:extLst>
+              <a:ext uri="{FF2B5EF4-FFF2-40B4-BE49-F238E27FC236}">
+                <a16:creationId xmlns:a16="http://schemas.microsoft.com/office/drawing/2014/main" id="{3471746D-089C-3AD5-B250-85E52B87E968}"/>
+              </a:ext>
+            </a:extLst>
+          </p:cNvPr>
+          <p:cNvSpPr txBox="1"/>
+          <p:nvPr/>
+        </p:nvSpPr>
+        <p:spPr>
+          <a:xfrm>
+            <a:off x="1974273" y="858981"/>
+            <a:ext cx="8243454" cy="1015663"/>
+          </a:xfrm>
+          <a:prstGeom prst="rect">
+            <a:avLst/>
+          </a:prstGeom>
+          <a:noFill/>
+        </p:spPr>
+        <p:txBody>
+          <a:bodyPr wrap="square" rtlCol="0">
+            <a:spAutoFit/>
+          </a:bodyPr>
+          <a:lstStyle/>
+          <a:p>
+            <a:pPr algn="ctr"/>
+            <a:r>
+              <a:rPr lang="fr-CH" sz="6000" b="1" dirty="0">
+                <a:latin typeface="+mj-lt"/>
+                <a:cs typeface="Aharoni" panose="020F0502020204030204" pitchFamily="2" charset="-79"/>
+              </a:rPr>
+              <a:t>Le cas d’utilisation</a:t>
+            </a:r>
+          </a:p>
+        </p:txBody>
+      </p:sp>
+      <p:sp>
+        <p:nvSpPr>
+          <p:cNvPr id="36" name="Espace réservé du numéro de diapositive 35">
+            <a:extLst>
+              <a:ext uri="{FF2B5EF4-FFF2-40B4-BE49-F238E27FC236}">
+                <a16:creationId xmlns:a16="http://schemas.microsoft.com/office/drawing/2014/main" id="{D3801A99-E32F-575A-AC97-220CCD3BA1F1}"/>
+              </a:ext>
+            </a:extLst>
+          </p:cNvPr>
+          <p:cNvSpPr>
+            <a:spLocks noGrp="1"/>
+          </p:cNvSpPr>
+          <p:nvPr>
+            <p:ph type="sldNum" sz="quarter" idx="12"/>
+          </p:nvPr>
+        </p:nvSpPr>
+        <p:spPr/>
+        <p:txBody>
+          <a:bodyPr/>
+          <a:lstStyle/>
+          <a:p>
+            <a:fld id="{FE62F6A8-B166-4F31-9975-CC19BE6F7705}" type="slidenum">
+              <a:rPr lang="fr-CH" smtClean="0"/>
+              <a:t>10</a:t>
+            </a:fld>
+            <a:endParaRPr lang="fr-CH"/>
+          </a:p>
+        </p:txBody>
+      </p:sp>
+      <p:sp>
+        <p:nvSpPr>
+          <p:cNvPr id="37" name="Espace réservé de la date 36">
+            <a:extLst>
+              <a:ext uri="{FF2B5EF4-FFF2-40B4-BE49-F238E27FC236}">
+                <a16:creationId xmlns:a16="http://schemas.microsoft.com/office/drawing/2014/main" id="{D843ED4C-730F-841F-735D-08F4D1106DF3}"/>
+              </a:ext>
+            </a:extLst>
+          </p:cNvPr>
+          <p:cNvSpPr>
+            <a:spLocks noGrp="1"/>
+          </p:cNvSpPr>
+          <p:nvPr>
+            <p:ph type="dt" sz="half" idx="10"/>
+          </p:nvPr>
+        </p:nvSpPr>
+        <p:spPr/>
+        <p:txBody>
+          <a:bodyPr/>
+          <a:lstStyle/>
+          <a:p>
+            <a:fld id="{6968AD06-E157-493F-80B4-D565F843D9AF}" type="datetime1">
+              <a:rPr lang="fr-CH" smtClean="0"/>
+              <a:t>11.06.2025</a:t>
+            </a:fld>
+            <a:endParaRPr lang="fr-CH"/>
+          </a:p>
+        </p:txBody>
+      </p:sp>
+      <p:sp>
+        <p:nvSpPr>
+          <p:cNvPr id="38" name="Espace réservé du pied de page 37">
+            <a:extLst>
+              <a:ext uri="{FF2B5EF4-FFF2-40B4-BE49-F238E27FC236}">
+                <a16:creationId xmlns:a16="http://schemas.microsoft.com/office/drawing/2014/main" id="{81801CB2-C3E8-2033-4B85-6B91F6A39481}"/>
+              </a:ext>
+            </a:extLst>
+          </p:cNvPr>
+          <p:cNvSpPr>
+            <a:spLocks noGrp="1"/>
+          </p:cNvSpPr>
+          <p:nvPr>
+            <p:ph type="ftr" sz="quarter" idx="11"/>
+          </p:nvPr>
+        </p:nvSpPr>
+        <p:spPr/>
+        <p:txBody>
+          <a:bodyPr/>
+          <a:lstStyle/>
+          <a:p>
+            <a:r>
+              <a:rPr lang="fr-CH"/>
+              <a:t>CLD-WS-GrF</a:t>
+            </a:r>
+          </a:p>
+        </p:txBody>
+      </p:sp>
+      <p:grpSp>
+        <p:nvGrpSpPr>
+          <p:cNvPr id="41" name="Groupe 40">
+            <a:extLst>
+              <a:ext uri="{FF2B5EF4-FFF2-40B4-BE49-F238E27FC236}">
+                <a16:creationId xmlns:a16="http://schemas.microsoft.com/office/drawing/2014/main" id="{EFF27A87-5F96-AA43-2BE4-1D05FC865E3B}"/>
+              </a:ext>
+            </a:extLst>
+          </p:cNvPr>
+          <p:cNvGrpSpPr/>
+          <p:nvPr/>
+        </p:nvGrpSpPr>
+        <p:grpSpPr>
+          <a:xfrm>
+            <a:off x="2167962" y="2840232"/>
+            <a:ext cx="7856075" cy="2143125"/>
+            <a:chOff x="3213310" y="2834509"/>
+            <a:chExt cx="7856075" cy="2143125"/>
+          </a:xfrm>
+        </p:grpSpPr>
+        <p:grpSp>
+          <p:nvGrpSpPr>
+            <p:cNvPr id="2" name="Groupe 1">
+              <a:extLst>
+                <a:ext uri="{FF2B5EF4-FFF2-40B4-BE49-F238E27FC236}">
+                  <a16:creationId xmlns:a16="http://schemas.microsoft.com/office/drawing/2014/main" id="{74C365B3-AF5C-CB11-A3D4-29C0281B3DA1}"/>
+                </a:ext>
+              </a:extLst>
+            </p:cNvPr>
+            <p:cNvGrpSpPr/>
+            <p:nvPr/>
+          </p:nvGrpSpPr>
+          <p:grpSpPr>
+            <a:xfrm>
+              <a:off x="3213310" y="2834509"/>
+              <a:ext cx="7856075" cy="2143125"/>
+              <a:chOff x="3805471" y="2670085"/>
+              <a:chExt cx="7856075" cy="2143125"/>
+            </a:xfrm>
+          </p:grpSpPr>
+          <p:pic>
+            <p:nvPicPr>
+              <p:cNvPr id="9" name="Image 8">
+                <a:extLst>
+                  <a:ext uri="{FF2B5EF4-FFF2-40B4-BE49-F238E27FC236}">
+                    <a16:creationId xmlns:a16="http://schemas.microsoft.com/office/drawing/2014/main" id="{B03213D8-1C80-EE94-7F04-2BE883F7FEA7}"/>
+                  </a:ext>
+                </a:extLst>
+              </p:cNvPr>
+              <p:cNvPicPr>
+                <a:picLocks noChangeAspect="1"/>
+              </p:cNvPicPr>
+              <p:nvPr/>
+            </p:nvPicPr>
+            <p:blipFill>
+              <a:blip r:embed="rId2">
+                <a:extLst>
+                  <a:ext uri="{BEBA8EAE-BF5A-486C-A8C5-ECC9F3942E4B}">
+                    <a14:imgProps xmlns:a14="http://schemas.microsoft.com/office/drawing/2010/main">
+                      <a14:imgLayer r:embed="rId3">
+                        <a14:imgEffect>
+                          <a14:backgroundRemoval t="21654" b="77808" l="9667" r="90778">
+                            <a14:foregroundMark x1="55833" y1="41462" x2="54944" y2="41462"/>
+                            <a14:foregroundMark x1="58444" y1="39654" x2="44389" y2="40538"/>
+                            <a14:foregroundMark x1="44389" y1="40538" x2="48556" y2="42269"/>
+                            <a14:foregroundMark x1="62278" y1="40231" x2="44056" y2="39423"/>
+                            <a14:foregroundMark x1="44056" y1="39423" x2="44722" y2="45692"/>
+                            <a14:foregroundMark x1="58778" y1="37192" x2="62278" y2="41038"/>
+                            <a14:foregroundMark x1="61944" y1="38423" x2="61111" y2="40462"/>
+                            <a14:foregroundMark x1="33056" y1="23077" x2="40667" y2="21654"/>
+                            <a14:foregroundMark x1="90278" y1="39423" x2="90833" y2="40654"/>
+                            <a14:foregroundMark x1="9722" y1="40846" x2="11778" y2="40654"/>
+                            <a14:foregroundMark x1="34833" y1="77615" x2="48556" y2="77808"/>
+                            <a14:foregroundMark x1="41222" y1="37615" x2="41556" y2="42269"/>
+                          </a14:backgroundRemoval>
+                        </a14:imgEffect>
+                      </a14:imgLayer>
+                    </a14:imgProps>
+                  </a:ext>
+                </a:extLst>
+              </a:blip>
+              <a:srcRect t="16162" b="16162"/>
+              <a:stretch>
+                <a:fillRect/>
+              </a:stretch>
+            </p:blipFill>
+            <p:spPr>
+              <a:xfrm>
+                <a:off x="3805471" y="2670085"/>
+                <a:ext cx="2192336" cy="2143125"/>
+              </a:xfrm>
+              <a:prstGeom prst="rect">
+                <a:avLst/>
+              </a:prstGeom>
+            </p:spPr>
+          </p:pic>
+          <p:pic>
+            <p:nvPicPr>
+              <p:cNvPr id="11" name="Image 10">
+                <a:extLst>
+                  <a:ext uri="{FF2B5EF4-FFF2-40B4-BE49-F238E27FC236}">
+                    <a16:creationId xmlns:a16="http://schemas.microsoft.com/office/drawing/2014/main" id="{D9613DDF-36C2-D298-08DD-F1190C7A3108}"/>
+                  </a:ext>
+                </a:extLst>
+              </p:cNvPr>
+              <p:cNvPicPr>
+                <a:picLocks noChangeAspect="1"/>
+              </p:cNvPicPr>
+              <p:nvPr/>
+            </p:nvPicPr>
+            <p:blipFill>
+              <a:blip r:embed="rId4"/>
+              <a:srcRect t="4629"/>
+              <a:stretch>
+                <a:fillRect/>
+              </a:stretch>
+            </p:blipFill>
+            <p:spPr>
+              <a:xfrm>
+                <a:off x="8350575" y="3498266"/>
+                <a:ext cx="3310971" cy="486761"/>
+              </a:xfrm>
+              <a:prstGeom prst="rect">
+                <a:avLst/>
+              </a:prstGeom>
+            </p:spPr>
+          </p:pic>
+        </p:grpSp>
+        <p:pic>
+          <p:nvPicPr>
+            <p:cNvPr id="39" name="Image 38" descr="Une image contenant logo, symbole, capture d’écran, Graphique&#10;&#10;Le contenu généré par l’IA peut être incorrect.">
+              <a:extLst>
+                <a:ext uri="{FF2B5EF4-FFF2-40B4-BE49-F238E27FC236}">
+                  <a16:creationId xmlns:a16="http://schemas.microsoft.com/office/drawing/2014/main" id="{3D60351A-46E8-C373-31DE-98150B7BFE7A}"/>
+                </a:ext>
+              </a:extLst>
+            </p:cNvPr>
+            <p:cNvPicPr>
+              <a:picLocks noChangeAspect="1"/>
+            </p:cNvPicPr>
+            <p:nvPr/>
+          </p:nvPicPr>
+          <p:blipFill>
+            <a:blip r:embed="rId5">
+              <a:extLst>
+                <a:ext uri="{28A0092B-C50C-407E-A947-70E740481C1C}">
+                  <a14:useLocalDpi xmlns:a14="http://schemas.microsoft.com/office/drawing/2010/main" val="0"/>
+                </a:ext>
+              </a:extLst>
+            </a:blip>
+            <a:stretch>
+              <a:fillRect/>
+            </a:stretch>
+          </p:blipFill>
+          <p:spPr>
+            <a:xfrm>
+              <a:off x="6172200" y="3582907"/>
+              <a:ext cx="591694" cy="646331"/>
+            </a:xfrm>
+            <a:prstGeom prst="rect">
+              <a:avLst/>
+            </a:prstGeom>
+          </p:spPr>
+        </p:pic>
+      </p:grpSp>
+    </p:spTree>
+    <p:extLst>
+      <p:ext uri="{BB962C8B-B14F-4D97-AF65-F5344CB8AC3E}">
+        <p14:creationId xmlns:p14="http://schemas.microsoft.com/office/powerpoint/2010/main" val="2266893242"/>
+      </p:ext>
+    </p:extLst>
+  </p:cSld>
+  <p:clrMapOvr>
+    <a:masterClrMapping/>
+  </p:clrMapOvr>
+</p:sld>
+</file>
+
+<file path=ppt/slides/slide11.xml><?xml version="1.0" encoding="utf-8"?>
 <p:sld xmlns:a="http://schemas.openxmlformats.org/drawingml/2006/main" xmlns:r="http://schemas.openxmlformats.org/officeDocument/2006/relationships" xmlns:p="http://schemas.openxmlformats.org/presentationml/2006/main">
   <p:cSld>
     <p:spTree>
@@ -5037,7 +5364,7 @@
           <a:p>
             <a:fld id="{FE62F6A8-B166-4F31-9975-CC19BE6F7705}" type="slidenum">
               <a:rPr lang="fr-CH" smtClean="0"/>
-              <a:t>10</a:t>
+              <a:t>11</a:t>
             </a:fld>
             <a:endParaRPr lang="fr-CH"/>
           </a:p>
@@ -5066,7 +5393,7 @@
           <a:p>
             <a:fld id="{6968AD06-E157-493F-80B4-D565F843D9AF}" type="datetime1">
               <a:rPr lang="fr-CH" smtClean="0"/>
-              <a:t>08.06.2025</a:t>
+              <a:t>11.06.2025</a:t>
             </a:fld>
             <a:endParaRPr lang="fr-CH"/>
           </a:p>
@@ -5418,7 +5745,7 @@
 </p:sld>
 </file>
 
-<file path=ppt/slides/slide11.xml><?xml version="1.0" encoding="utf-8"?>
+<file path=ppt/slides/slide12.xml><?xml version="1.0" encoding="utf-8"?>
 <p:sld xmlns:a="http://schemas.openxmlformats.org/drawingml/2006/main" xmlns:r="http://schemas.openxmlformats.org/officeDocument/2006/relationships" xmlns:p="http://schemas.openxmlformats.org/presentationml/2006/main">
   <p:cSld>
     <p:spTree>
@@ -5503,7 +5830,7 @@
           <a:p>
             <a:fld id="{FE62F6A8-B166-4F31-9975-CC19BE6F7705}" type="slidenum">
               <a:rPr lang="fr-CH" smtClean="0"/>
-              <a:t>11</a:t>
+              <a:t>12</a:t>
             </a:fld>
             <a:endParaRPr lang="fr-CH"/>
           </a:p>
@@ -5532,7 +5859,7 @@
           <a:p>
             <a:fld id="{6968AD06-E157-493F-80B4-D565F843D9AF}" type="datetime1">
               <a:rPr lang="fr-CH" smtClean="0"/>
-              <a:t>08.06.2025</a:t>
+              <a:t>11.06.2025</a:t>
             </a:fld>
             <a:endParaRPr lang="fr-CH"/>
           </a:p>
@@ -5876,7 +6203,7 @@
 </p:sld>
 </file>
 
-<file path=ppt/slides/slide12.xml><?xml version="1.0" encoding="utf-8"?>
+<file path=ppt/slides/slide13.xml><?xml version="1.0" encoding="utf-8"?>
 <p:sld xmlns:a="http://schemas.openxmlformats.org/drawingml/2006/main" xmlns:r="http://schemas.openxmlformats.org/officeDocument/2006/relationships" xmlns:p="http://schemas.openxmlformats.org/presentationml/2006/main">
   <p:cSld>
     <p:spTree>
@@ -5961,7 +6288,7 @@
           <a:p>
             <a:fld id="{FE62F6A8-B166-4F31-9975-CC19BE6F7705}" type="slidenum">
               <a:rPr lang="fr-CH" smtClean="0"/>
-              <a:t>12</a:t>
+              <a:t>13</a:t>
             </a:fld>
             <a:endParaRPr lang="fr-CH"/>
           </a:p>
@@ -5990,7 +6317,7 @@
           <a:p>
             <a:fld id="{6968AD06-E157-493F-80B4-D565F843D9AF}" type="datetime1">
               <a:rPr lang="fr-CH" smtClean="0"/>
-              <a:t>08.06.2025</a:t>
+              <a:t>11.06.2025</a:t>
             </a:fld>
             <a:endParaRPr lang="fr-CH"/>
           </a:p>
@@ -6067,7 +6394,7 @@
 </p:sld>
 </file>
 
-<file path=ppt/slides/slide13.xml><?xml version="1.0" encoding="utf-8"?>
+<file path=ppt/slides/slide14.xml><?xml version="1.0" encoding="utf-8"?>
 <p:sld xmlns:a="http://schemas.openxmlformats.org/drawingml/2006/main" xmlns:r="http://schemas.openxmlformats.org/officeDocument/2006/relationships" xmlns:p="http://schemas.openxmlformats.org/presentationml/2006/main">
   <p:cSld>
     <p:spTree>
@@ -6152,7 +6479,7 @@
           <a:p>
             <a:fld id="{FE62F6A8-B166-4F31-9975-CC19BE6F7705}" type="slidenum">
               <a:rPr lang="fr-CH" smtClean="0"/>
-              <a:t>13</a:t>
+              <a:t>14</a:t>
             </a:fld>
             <a:endParaRPr lang="fr-CH"/>
           </a:p>
@@ -6181,7 +6508,7 @@
           <a:p>
             <a:fld id="{6968AD06-E157-493F-80B4-D565F843D9AF}" type="datetime1">
               <a:rPr lang="fr-CH" smtClean="0"/>
-              <a:t>08.06.2025</a:t>
+              <a:t>11.06.2025</a:t>
             </a:fld>
             <a:endParaRPr lang="fr-CH"/>
           </a:p>
@@ -6637,7 +6964,7 @@
 </p:sld>
 </file>
 
-<file path=ppt/slides/slide14.xml><?xml version="1.0" encoding="utf-8"?>
+<file path=ppt/slides/slide15.xml><?xml version="1.0" encoding="utf-8"?>
 <p:sld xmlns:a="http://schemas.openxmlformats.org/drawingml/2006/main" xmlns:r="http://schemas.openxmlformats.org/officeDocument/2006/relationships" xmlns:p="http://schemas.openxmlformats.org/presentationml/2006/main">
   <p:cSld>
     <p:spTree>
@@ -6722,7 +7049,7 @@
           <a:p>
             <a:fld id="{FE62F6A8-B166-4F31-9975-CC19BE6F7705}" type="slidenum">
               <a:rPr lang="fr-CH" smtClean="0"/>
-              <a:t>14</a:t>
+              <a:t>15</a:t>
             </a:fld>
             <a:endParaRPr lang="fr-CH"/>
           </a:p>
@@ -6751,7 +7078,7 @@
           <a:p>
             <a:fld id="{6968AD06-E157-493F-80B4-D565F843D9AF}" type="datetime1">
               <a:rPr lang="fr-CH" smtClean="0"/>
-              <a:t>08.06.2025</a:t>
+              <a:t>11.06.2025</a:t>
             </a:fld>
             <a:endParaRPr lang="fr-CH"/>
           </a:p>
@@ -6912,7 +7239,7 @@
           <a:p>
             <a:fld id="{29D045C7-96DA-4B41-A4E5-3F3CAD00DDC0}" type="datetime1">
               <a:rPr lang="fr-CH" smtClean="0"/>
-              <a:t>08.06.2025</a:t>
+              <a:t>11.06.2025</a:t>
             </a:fld>
             <a:endParaRPr lang="fr-CH"/>
           </a:p>
@@ -7349,7 +7676,7 @@
           <a:p>
             <a:fld id="{29D045C7-96DA-4B41-A4E5-3F3CAD00DDC0}" type="datetime1">
               <a:rPr lang="fr-CH" smtClean="0"/>
-              <a:t>08.06.2025</a:t>
+              <a:t>11.06.2025</a:t>
             </a:fld>
             <a:endParaRPr lang="fr-CH"/>
           </a:p>
@@ -7632,7 +7959,7 @@
           <a:p>
             <a:fld id="{29D045C7-96DA-4B41-A4E5-3F3CAD00DDC0}" type="datetime1">
               <a:rPr lang="fr-CH" smtClean="0"/>
-              <a:t>08.06.2025</a:t>
+              <a:t>11.06.2025</a:t>
             </a:fld>
             <a:endParaRPr lang="fr-CH"/>
           </a:p>
@@ -7923,7 +8250,7 @@
           <a:p>
             <a:fld id="{29D045C7-96DA-4B41-A4E5-3F3CAD00DDC0}" type="datetime1">
               <a:rPr lang="fr-CH" smtClean="0"/>
-              <a:t>08.06.2025</a:t>
+              <a:t>11.06.2025</a:t>
             </a:fld>
             <a:endParaRPr lang="fr-CH"/>
           </a:p>
@@ -8130,7 +8457,7 @@
           <a:p>
             <a:fld id="{29D045C7-96DA-4B41-A4E5-3F3CAD00DDC0}" type="datetime1">
               <a:rPr lang="fr-CH" smtClean="0"/>
-              <a:t>08.06.2025</a:t>
+              <a:t>11.06.2025</a:t>
             </a:fld>
             <a:endParaRPr lang="fr-CH"/>
           </a:p>
@@ -8424,7 +8751,7 @@
           <a:p>
             <a:fld id="{29D045C7-96DA-4B41-A4E5-3F3CAD00DDC0}" type="datetime1">
               <a:rPr lang="fr-CH" smtClean="0"/>
-              <a:t>08.06.2025</a:t>
+              <a:t>11.06.2025</a:t>
             </a:fld>
             <a:endParaRPr lang="fr-CH"/>
           </a:p>
@@ -8735,7 +9062,7 @@
           <a:p>
             <a:fld id="{29D045C7-96DA-4B41-A4E5-3F3CAD00DDC0}" type="datetime1">
               <a:rPr lang="fr-CH" smtClean="0"/>
-              <a:t>08.06.2025</a:t>
+              <a:t>11.06.2025</a:t>
             </a:fld>
             <a:endParaRPr lang="fr-CH"/>
           </a:p>
@@ -8826,7 +9153,7 @@
         <p:cNvPr id="1" name="">
           <a:extLst>
             <a:ext uri="{FF2B5EF4-FFF2-40B4-BE49-F238E27FC236}">
-              <a16:creationId xmlns:a16="http://schemas.microsoft.com/office/drawing/2014/main" id="{EC9AF0E5-2637-60C5-6B8E-789FFF3838EC}"/>
+              <a16:creationId xmlns:a16="http://schemas.microsoft.com/office/drawing/2014/main" id="{4B665F75-9C17-8BEA-4B01-D0AA576BAAAD}"/>
             </a:ext>
           </a:extLst>
         </p:cNvPr>
@@ -8846,7 +9173,7 @@
           <p:cNvPr id="4" name="ZoneTexte 3">
             <a:extLst>
               <a:ext uri="{FF2B5EF4-FFF2-40B4-BE49-F238E27FC236}">
-                <a16:creationId xmlns:a16="http://schemas.microsoft.com/office/drawing/2014/main" id="{3471746D-089C-3AD5-B250-85E52B87E968}"/>
+                <a16:creationId xmlns:a16="http://schemas.microsoft.com/office/drawing/2014/main" id="{0A175F61-29FE-832D-67F4-726A74265C96}"/>
               </a:ext>
             </a:extLst>
           </p:cNvPr>
@@ -8885,7 +9212,7 @@
           <p:cNvPr id="36" name="Espace réservé du numéro de diapositive 35">
             <a:extLst>
               <a:ext uri="{FF2B5EF4-FFF2-40B4-BE49-F238E27FC236}">
-                <a16:creationId xmlns:a16="http://schemas.microsoft.com/office/drawing/2014/main" id="{D3801A99-E32F-575A-AC97-220CCD3BA1F1}"/>
+                <a16:creationId xmlns:a16="http://schemas.microsoft.com/office/drawing/2014/main" id="{F009FFAB-9A90-236A-3B00-F08D8B67F26A}"/>
               </a:ext>
             </a:extLst>
           </p:cNvPr>
@@ -8914,7 +9241,7 @@
           <p:cNvPr id="37" name="Espace réservé de la date 36">
             <a:extLst>
               <a:ext uri="{FF2B5EF4-FFF2-40B4-BE49-F238E27FC236}">
-                <a16:creationId xmlns:a16="http://schemas.microsoft.com/office/drawing/2014/main" id="{D843ED4C-730F-841F-735D-08F4D1106DF3}"/>
+                <a16:creationId xmlns:a16="http://schemas.microsoft.com/office/drawing/2014/main" id="{A914096B-B666-7AA4-E551-9EB7D93CFCF5}"/>
               </a:ext>
             </a:extLst>
           </p:cNvPr>
@@ -8932,7 +9259,7 @@
           <a:p>
             <a:fld id="{6968AD06-E157-493F-80B4-D565F843D9AF}" type="datetime1">
               <a:rPr lang="fr-CH" smtClean="0"/>
-              <a:t>08.06.2025</a:t>
+              <a:t>11.06.2025</a:t>
             </a:fld>
             <a:endParaRPr lang="fr-CH"/>
           </a:p>
@@ -8943,7 +9270,7 @@
           <p:cNvPr id="38" name="Espace réservé du pied de page 37">
             <a:extLst>
               <a:ext uri="{FF2B5EF4-FFF2-40B4-BE49-F238E27FC236}">
-                <a16:creationId xmlns:a16="http://schemas.microsoft.com/office/drawing/2014/main" id="{81801CB2-C3E8-2033-4B85-6B91F6A39481}"/>
+                <a16:creationId xmlns:a16="http://schemas.microsoft.com/office/drawing/2014/main" id="{010EB32D-8D5F-9418-611F-1178211CD3D2}"/>
               </a:ext>
             </a:extLst>
           </p:cNvPr>
@@ -8966,175 +9293,144 @@
           </a:p>
         </p:txBody>
       </p:sp>
-      <p:grpSp>
-        <p:nvGrpSpPr>
-          <p:cNvPr id="41" name="Groupe 40">
-            <a:extLst>
-              <a:ext uri="{FF2B5EF4-FFF2-40B4-BE49-F238E27FC236}">
-                <a16:creationId xmlns:a16="http://schemas.microsoft.com/office/drawing/2014/main" id="{EFF27A87-5F96-AA43-2BE4-1D05FC865E3B}"/>
-              </a:ext>
-            </a:extLst>
-          </p:cNvPr>
-          <p:cNvGrpSpPr/>
+      <p:sp>
+        <p:nvSpPr>
+          <p:cNvPr id="3" name="ZoneTexte 2">
+            <a:extLst>
+              <a:ext uri="{FF2B5EF4-FFF2-40B4-BE49-F238E27FC236}">
+                <a16:creationId xmlns:a16="http://schemas.microsoft.com/office/drawing/2014/main" id="{1733109B-2857-C4B1-0307-3C6147CC1E24}"/>
+              </a:ext>
+            </a:extLst>
+          </p:cNvPr>
+          <p:cNvSpPr txBox="1"/>
           <p:nvPr/>
-        </p:nvGrpSpPr>
-        <p:grpSpPr>
+        </p:nvSpPr>
+        <p:spPr>
           <a:xfrm>
-            <a:off x="2167962" y="2840232"/>
-            <a:ext cx="7856075" cy="2143125"/>
-            <a:chOff x="3213310" y="2834509"/>
-            <a:chExt cx="7856075" cy="2143125"/>
+            <a:off x="1141544" y="2224846"/>
+            <a:ext cx="10157411" cy="2031325"/>
           </a:xfrm>
-        </p:grpSpPr>
-        <p:grpSp>
-          <p:nvGrpSpPr>
-            <p:cNvPr id="2" name="Groupe 1">
-              <a:extLst>
-                <a:ext uri="{FF2B5EF4-FFF2-40B4-BE49-F238E27FC236}">
-                  <a16:creationId xmlns:a16="http://schemas.microsoft.com/office/drawing/2014/main" id="{74C365B3-AF5C-CB11-A3D4-29C0281B3DA1}"/>
-                </a:ext>
-              </a:extLst>
-            </p:cNvPr>
-            <p:cNvGrpSpPr/>
-            <p:nvPr/>
-          </p:nvGrpSpPr>
-          <p:grpSpPr>
-            <a:xfrm>
-              <a:off x="3213310" y="2834509"/>
-              <a:ext cx="7856075" cy="2143125"/>
-              <a:chOff x="3805471" y="2670085"/>
-              <a:chExt cx="7856075" cy="2143125"/>
-            </a:xfrm>
-          </p:grpSpPr>
-          <p:pic>
-            <p:nvPicPr>
-              <p:cNvPr id="9" name="Image 8">
-                <a:extLst>
-                  <a:ext uri="{FF2B5EF4-FFF2-40B4-BE49-F238E27FC236}">
-                    <a16:creationId xmlns:a16="http://schemas.microsoft.com/office/drawing/2014/main" id="{B03213D8-1C80-EE94-7F04-2BE883F7FEA7}"/>
-                  </a:ext>
-                </a:extLst>
-              </p:cNvPr>
-              <p:cNvPicPr>
-                <a:picLocks noChangeAspect="1"/>
-              </p:cNvPicPr>
-              <p:nvPr/>
-            </p:nvPicPr>
-            <p:blipFill>
-              <a:blip r:embed="rId2">
-                <a:extLst>
-                  <a:ext uri="{BEBA8EAE-BF5A-486C-A8C5-ECC9F3942E4B}">
-                    <a14:imgProps xmlns:a14="http://schemas.microsoft.com/office/drawing/2010/main">
-                      <a14:imgLayer r:embed="rId3">
-                        <a14:imgEffect>
-                          <a14:backgroundRemoval t="21654" b="77808" l="9667" r="90778">
-                            <a14:foregroundMark x1="55833" y1="41462" x2="54944" y2="41462"/>
-                            <a14:foregroundMark x1="58444" y1="39654" x2="44389" y2="40538"/>
-                            <a14:foregroundMark x1="44389" y1="40538" x2="48556" y2="42269"/>
-                            <a14:foregroundMark x1="62278" y1="40231" x2="44056" y2="39423"/>
-                            <a14:foregroundMark x1="44056" y1="39423" x2="44722" y2="45692"/>
-                            <a14:foregroundMark x1="58778" y1="37192" x2="62278" y2="41038"/>
-                            <a14:foregroundMark x1="61944" y1="38423" x2="61111" y2="40462"/>
-                            <a14:foregroundMark x1="33056" y1="23077" x2="40667" y2="21654"/>
-                            <a14:foregroundMark x1="90278" y1="39423" x2="90833" y2="40654"/>
-                            <a14:foregroundMark x1="9722" y1="40846" x2="11778" y2="40654"/>
-                            <a14:foregroundMark x1="34833" y1="77615" x2="48556" y2="77808"/>
-                            <a14:foregroundMark x1="41222" y1="37615" x2="41556" y2="42269"/>
-                          </a14:backgroundRemoval>
-                        </a14:imgEffect>
-                      </a14:imgLayer>
-                    </a14:imgProps>
-                  </a:ext>
-                </a:extLst>
-              </a:blip>
-              <a:srcRect t="16162" b="16162"/>
-              <a:stretch>
-                <a:fillRect/>
-              </a:stretch>
-            </p:blipFill>
-            <p:spPr>
-              <a:xfrm>
-                <a:off x="3805471" y="2670085"/>
-                <a:ext cx="2192336" cy="2143125"/>
-              </a:xfrm>
-              <a:prstGeom prst="rect">
-                <a:avLst/>
-              </a:prstGeom>
-            </p:spPr>
-          </p:pic>
-          <p:pic>
-            <p:nvPicPr>
-              <p:cNvPr id="11" name="Image 10">
-                <a:extLst>
-                  <a:ext uri="{FF2B5EF4-FFF2-40B4-BE49-F238E27FC236}">
-                    <a16:creationId xmlns:a16="http://schemas.microsoft.com/office/drawing/2014/main" id="{D9613DDF-36C2-D298-08DD-F1190C7A3108}"/>
-                  </a:ext>
-                </a:extLst>
-              </p:cNvPr>
-              <p:cNvPicPr>
-                <a:picLocks noChangeAspect="1"/>
-              </p:cNvPicPr>
-              <p:nvPr/>
-            </p:nvPicPr>
-            <p:blipFill>
-              <a:blip r:embed="rId4"/>
-              <a:srcRect t="4629"/>
-              <a:stretch>
-                <a:fillRect/>
-              </a:stretch>
-            </p:blipFill>
-            <p:spPr>
-              <a:xfrm>
-                <a:off x="8350575" y="3498266"/>
-                <a:ext cx="3310971" cy="486761"/>
-              </a:xfrm>
-              <a:prstGeom prst="rect">
-                <a:avLst/>
-              </a:prstGeom>
-            </p:spPr>
-          </p:pic>
-        </p:grpSp>
-        <p:pic>
-          <p:nvPicPr>
-            <p:cNvPr id="39" name="Image 38" descr="Une image contenant logo, symbole, capture d’écran, Graphique&#10;&#10;Le contenu généré par l’IA peut être incorrect.">
-              <a:extLst>
-                <a:ext uri="{FF2B5EF4-FFF2-40B4-BE49-F238E27FC236}">
-                  <a16:creationId xmlns:a16="http://schemas.microsoft.com/office/drawing/2014/main" id="{3D60351A-46E8-C373-31DE-98150B7BFE7A}"/>
-                </a:ext>
-              </a:extLst>
-            </p:cNvPr>
-            <p:cNvPicPr>
-              <a:picLocks noChangeAspect="1"/>
-            </p:cNvPicPr>
-            <p:nvPr/>
-          </p:nvPicPr>
-          <p:blipFill>
-            <a:blip r:embed="rId5">
-              <a:extLst>
-                <a:ext uri="{28A0092B-C50C-407E-A947-70E740481C1C}">
-                  <a14:useLocalDpi xmlns:a14="http://schemas.microsoft.com/office/drawing/2010/main" val="0"/>
-                </a:ext>
-              </a:extLst>
-            </a:blip>
-            <a:stretch>
-              <a:fillRect/>
-            </a:stretch>
-          </p:blipFill>
-          <p:spPr>
-            <a:xfrm>
-              <a:off x="6172200" y="3582907"/>
-              <a:ext cx="591694" cy="646331"/>
-            </a:xfrm>
-            <a:prstGeom prst="rect">
-              <a:avLst/>
-            </a:prstGeom>
-          </p:spPr>
-        </p:pic>
-      </p:grpSp>
+          <a:prstGeom prst="rect">
+            <a:avLst/>
+          </a:prstGeom>
+          <a:noFill/>
+        </p:spPr>
+        <p:txBody>
+          <a:bodyPr wrap="square" rtlCol="0">
+            <a:spAutoFit/>
+          </a:bodyPr>
+          <a:lstStyle/>
+          <a:p>
+            <a:pPr lvl="3"/>
+            <a:r>
+              <a:rPr lang="fr-CH" dirty="0"/>
+              <a:t>			Entreprise </a:t>
+            </a:r>
+            <a:r>
+              <a:rPr lang="fr-CH" dirty="0" err="1"/>
+              <a:t>Yalando</a:t>
+            </a:r>
+            <a:r>
+              <a:rPr lang="fr-CH" dirty="0"/>
+              <a:t>* </a:t>
+            </a:r>
+          </a:p>
+          <a:p>
+            <a:pPr marL="285750" indent="-285750">
+              <a:buFont typeface="Arial" panose="020B0604020202020204" pitchFamily="34" charset="0"/>
+              <a:buChar char="•"/>
+            </a:pPr>
+            <a:r>
+              <a:rPr lang="fr-CH" dirty="0"/>
+              <a:t>Revente de vêtement</a:t>
+            </a:r>
+          </a:p>
+          <a:p>
+            <a:pPr marL="285750" indent="-285750">
+              <a:buFont typeface="Arial" panose="020B0604020202020204" pitchFamily="34" charset="0"/>
+              <a:buChar char="•"/>
+            </a:pPr>
+            <a:endParaRPr lang="fr-CH" dirty="0"/>
+          </a:p>
+          <a:p>
+            <a:pPr marL="285750" indent="-285750">
+              <a:buFont typeface="Arial" panose="020B0604020202020204" pitchFamily="34" charset="0"/>
+              <a:buChar char="•"/>
+            </a:pPr>
+            <a:r>
+              <a:rPr lang="fr-CH" dirty="0"/>
+              <a:t>En ligne – </a:t>
+            </a:r>
+            <a:r>
+              <a:rPr lang="fr-CH"/>
+              <a:t>via application</a:t>
+            </a:r>
+          </a:p>
+          <a:p>
+            <a:pPr marL="285750" indent="-285750">
+              <a:buFont typeface="Arial" panose="020B0604020202020204" pitchFamily="34" charset="0"/>
+              <a:buChar char="•"/>
+            </a:pPr>
+            <a:endParaRPr lang="fr-CH" dirty="0"/>
+          </a:p>
+          <a:p>
+            <a:pPr marL="285750" indent="-285750">
+              <a:buFont typeface="Arial" panose="020B0604020202020204" pitchFamily="34" charset="0"/>
+              <a:buChar char="•"/>
+            </a:pPr>
+            <a:r>
+              <a:rPr lang="fr-CH" dirty="0"/>
+              <a:t>Automatisation des Tags</a:t>
+            </a:r>
+          </a:p>
+          <a:p>
+            <a:pPr marL="285750" indent="-285750">
+              <a:buFont typeface="Arial" panose="020B0604020202020204" pitchFamily="34" charset="0"/>
+              <a:buChar char="•"/>
+            </a:pPr>
+            <a:endParaRPr lang="fr-CH" dirty="0"/>
+          </a:p>
+        </p:txBody>
+      </p:sp>
+      <p:sp>
+        <p:nvSpPr>
+          <p:cNvPr id="5" name="ZoneTexte 4">
+            <a:extLst>
+              <a:ext uri="{FF2B5EF4-FFF2-40B4-BE49-F238E27FC236}">
+                <a16:creationId xmlns:a16="http://schemas.microsoft.com/office/drawing/2014/main" id="{789EB717-FA00-9BF9-992A-EB5A805C92D1}"/>
+              </a:ext>
+            </a:extLst>
+          </p:cNvPr>
+          <p:cNvSpPr txBox="1"/>
+          <p:nvPr/>
+        </p:nvSpPr>
+        <p:spPr>
+          <a:xfrm>
+            <a:off x="1036708" y="5597060"/>
+            <a:ext cx="6856236" cy="369332"/>
+          </a:xfrm>
+          <a:prstGeom prst="rect">
+            <a:avLst/>
+          </a:prstGeom>
+          <a:noFill/>
+        </p:spPr>
+        <p:txBody>
+          <a:bodyPr wrap="none" rtlCol="0">
+            <a:spAutoFit/>
+          </a:bodyPr>
+          <a:lstStyle/>
+          <a:p>
+            <a:r>
+              <a:rPr lang="fr-CH" dirty="0"/>
+              <a:t>*Toutes ressemblances avec une entreprise existante serait fortuite</a:t>
+            </a:r>
+          </a:p>
+        </p:txBody>
+      </p:sp>
     </p:spTree>
     <p:extLst>
       <p:ext uri="{BB962C8B-B14F-4D97-AF65-F5344CB8AC3E}">
-        <p14:creationId xmlns:p14="http://schemas.microsoft.com/office/powerpoint/2010/main" val="2266893242"/>
+        <p14:creationId xmlns:p14="http://schemas.microsoft.com/office/powerpoint/2010/main" val="1347849165"/>
       </p:ext>
     </p:extLst>
   </p:cSld>

--- a/presentation.pptx
+++ b/presentation.pptx
@@ -5,7 +5,7 @@
     <p:sldMasterId id="2147483648" r:id="rId1"/>
   </p:sldMasterIdLst>
   <p:notesMasterIdLst>
-    <p:notesMasterId r:id="rId17"/>
+    <p:notesMasterId r:id="rId18"/>
   </p:notesMasterIdLst>
   <p:sldIdLst>
     <p:sldId id="256" r:id="rId2"/>
@@ -22,7 +22,8 @@
     <p:sldId id="267" r:id="rId13"/>
     <p:sldId id="268" r:id="rId14"/>
     <p:sldId id="269" r:id="rId15"/>
-    <p:sldId id="270" r:id="rId16"/>
+    <p:sldId id="272" r:id="rId16"/>
+    <p:sldId id="270" r:id="rId17"/>
   </p:sldIdLst>
   <p:sldSz cx="12192000" cy="6858000"/>
   <p:notesSz cx="6858000" cy="9144000"/>
@@ -5908,9 +5909,9 @@
         <p:grpSpPr>
           <a:xfrm>
             <a:off x="2149898" y="2521555"/>
-            <a:ext cx="7892203" cy="2693739"/>
+            <a:ext cx="8216319" cy="2693739"/>
             <a:chOff x="3008169" y="2593983"/>
-            <a:chExt cx="7892203" cy="2693739"/>
+            <a:chExt cx="8216319" cy="2693739"/>
           </a:xfrm>
         </p:grpSpPr>
         <p:grpSp>
@@ -6112,9 +6113,9 @@
           <p:grpSpPr>
             <a:xfrm>
               <a:off x="3008169" y="4641391"/>
-              <a:ext cx="7892203" cy="646331"/>
+              <a:ext cx="8216319" cy="646331"/>
               <a:chOff x="2968339" y="2782669"/>
-              <a:chExt cx="7892203" cy="646331"/>
+              <a:chExt cx="8216319" cy="646331"/>
             </a:xfrm>
           </p:grpSpPr>
           <p:sp>
@@ -6131,8 +6132,8 @@
             </p:nvSpPr>
             <p:spPr>
               <a:xfrm>
-                <a:off x="3842658" y="2782669"/>
-                <a:ext cx="7017884" cy="646331"/>
+                <a:off x="3842657" y="2782669"/>
+                <a:ext cx="7342001" cy="646331"/>
               </a:xfrm>
               <a:prstGeom prst="rect">
                 <a:avLst/>
@@ -6147,7 +6148,7 @@
               <a:p>
                 <a:r>
                   <a:rPr lang="fr-FR" sz="3600" b="1" dirty="0"/>
-                  <a:t>Temps de réponse plus long</a:t>
+                  <a:t>Limité dans le choix des modèles</a:t>
                 </a:r>
               </a:p>
             </p:txBody>
@@ -6972,6 +6973,595 @@
         <p:cNvPr id="1" name="">
           <a:extLst>
             <a:ext uri="{FF2B5EF4-FFF2-40B4-BE49-F238E27FC236}">
+              <a16:creationId xmlns:a16="http://schemas.microsoft.com/office/drawing/2014/main" id="{F66C2851-851C-7F93-2209-BE3CCAC46A53}"/>
+            </a:ext>
+          </a:extLst>
+        </p:cNvPr>
+        <p:cNvGrpSpPr/>
+        <p:nvPr/>
+      </p:nvGrpSpPr>
+      <p:grpSpPr>
+        <a:xfrm>
+          <a:off x="0" y="0"/>
+          <a:ext cx="0" cy="0"/>
+          <a:chOff x="0" y="0"/>
+          <a:chExt cx="0" cy="0"/>
+        </a:xfrm>
+      </p:grpSpPr>
+      <p:sp>
+        <p:nvSpPr>
+          <p:cNvPr id="4" name="ZoneTexte 3">
+            <a:extLst>
+              <a:ext uri="{FF2B5EF4-FFF2-40B4-BE49-F238E27FC236}">
+                <a16:creationId xmlns:a16="http://schemas.microsoft.com/office/drawing/2014/main" id="{72E40DE8-8CE0-3459-E547-D138B94C7559}"/>
+              </a:ext>
+            </a:extLst>
+          </p:cNvPr>
+          <p:cNvSpPr txBox="1"/>
+          <p:nvPr/>
+        </p:nvSpPr>
+        <p:spPr>
+          <a:xfrm>
+            <a:off x="1974273" y="858981"/>
+            <a:ext cx="8243454" cy="1015663"/>
+          </a:xfrm>
+          <a:prstGeom prst="rect">
+            <a:avLst/>
+          </a:prstGeom>
+          <a:noFill/>
+        </p:spPr>
+        <p:txBody>
+          <a:bodyPr wrap="square" rtlCol="0">
+            <a:spAutoFit/>
+          </a:bodyPr>
+          <a:lstStyle/>
+          <a:p>
+            <a:pPr algn="ctr"/>
+            <a:r>
+              <a:rPr lang="fr-CH" sz="6000" b="1" dirty="0">
+                <a:latin typeface="+mj-lt"/>
+                <a:cs typeface="Aharoni" panose="020F0502020204030204" pitchFamily="2" charset="-79"/>
+              </a:rPr>
+              <a:t>Pour </a:t>
+            </a:r>
+            <a:r>
+              <a:rPr lang="fr-CH" sz="6000" b="1" dirty="0" err="1">
+                <a:latin typeface="+mj-lt"/>
+                <a:cs typeface="Aharoni" panose="020F0502020204030204" pitchFamily="2" charset="-79"/>
+              </a:rPr>
+              <a:t>Vinted</a:t>
+            </a:r>
+            <a:r>
+              <a:rPr lang="fr-CH" sz="6000" b="1" dirty="0">
+                <a:latin typeface="+mj-lt"/>
+                <a:cs typeface="Aharoni" panose="020F0502020204030204" pitchFamily="2" charset="-79"/>
+              </a:rPr>
+              <a:t> ?</a:t>
+            </a:r>
+          </a:p>
+        </p:txBody>
+      </p:sp>
+      <p:sp>
+        <p:nvSpPr>
+          <p:cNvPr id="36" name="Espace réservé du numéro de diapositive 35">
+            <a:extLst>
+              <a:ext uri="{FF2B5EF4-FFF2-40B4-BE49-F238E27FC236}">
+                <a16:creationId xmlns:a16="http://schemas.microsoft.com/office/drawing/2014/main" id="{2146B313-6CCC-AFE0-8385-547053A5A2A5}"/>
+              </a:ext>
+            </a:extLst>
+          </p:cNvPr>
+          <p:cNvSpPr>
+            <a:spLocks noGrp="1"/>
+          </p:cNvSpPr>
+          <p:nvPr>
+            <p:ph type="sldNum" sz="quarter" idx="12"/>
+          </p:nvPr>
+        </p:nvSpPr>
+        <p:spPr/>
+        <p:txBody>
+          <a:bodyPr/>
+          <a:lstStyle/>
+          <a:p>
+            <a:fld id="{FE62F6A8-B166-4F31-9975-CC19BE6F7705}" type="slidenum">
+              <a:rPr lang="fr-CH" smtClean="0"/>
+              <a:t>15</a:t>
+            </a:fld>
+            <a:endParaRPr lang="fr-CH"/>
+          </a:p>
+        </p:txBody>
+      </p:sp>
+      <p:sp>
+        <p:nvSpPr>
+          <p:cNvPr id="37" name="Espace réservé de la date 36">
+            <a:extLst>
+              <a:ext uri="{FF2B5EF4-FFF2-40B4-BE49-F238E27FC236}">
+                <a16:creationId xmlns:a16="http://schemas.microsoft.com/office/drawing/2014/main" id="{DDA674AA-12D6-A9B7-8C53-02AE1A4DC50C}"/>
+              </a:ext>
+            </a:extLst>
+          </p:cNvPr>
+          <p:cNvSpPr>
+            <a:spLocks noGrp="1"/>
+          </p:cNvSpPr>
+          <p:nvPr>
+            <p:ph type="dt" sz="half" idx="10"/>
+          </p:nvPr>
+        </p:nvSpPr>
+        <p:spPr/>
+        <p:txBody>
+          <a:bodyPr/>
+          <a:lstStyle/>
+          <a:p>
+            <a:fld id="{6968AD06-E157-493F-80B4-D565F843D9AF}" type="datetime1">
+              <a:rPr lang="fr-CH" smtClean="0"/>
+              <a:t>11.06.2025</a:t>
+            </a:fld>
+            <a:endParaRPr lang="fr-CH"/>
+          </a:p>
+        </p:txBody>
+      </p:sp>
+      <p:sp>
+        <p:nvSpPr>
+          <p:cNvPr id="38" name="Espace réservé du pied de page 37">
+            <a:extLst>
+              <a:ext uri="{FF2B5EF4-FFF2-40B4-BE49-F238E27FC236}">
+                <a16:creationId xmlns:a16="http://schemas.microsoft.com/office/drawing/2014/main" id="{C1EFA2FB-AF66-9FFF-1C0C-16B59BE844EF}"/>
+              </a:ext>
+            </a:extLst>
+          </p:cNvPr>
+          <p:cNvSpPr>
+            <a:spLocks noGrp="1"/>
+          </p:cNvSpPr>
+          <p:nvPr>
+            <p:ph type="ftr" sz="quarter" idx="11"/>
+          </p:nvPr>
+        </p:nvSpPr>
+        <p:spPr/>
+        <p:txBody>
+          <a:bodyPr/>
+          <a:lstStyle/>
+          <a:p>
+            <a:r>
+              <a:rPr lang="fr-CH" dirty="0"/>
+              <a:t>CLD-WS-</a:t>
+            </a:r>
+            <a:r>
+              <a:rPr lang="fr-CH" dirty="0" err="1"/>
+              <a:t>GrF</a:t>
+            </a:r>
+            <a:endParaRPr lang="fr-CH" dirty="0"/>
+          </a:p>
+        </p:txBody>
+      </p:sp>
+      <p:grpSp>
+        <p:nvGrpSpPr>
+          <p:cNvPr id="2" name="Groupe 1">
+            <a:extLst>
+              <a:ext uri="{FF2B5EF4-FFF2-40B4-BE49-F238E27FC236}">
+                <a16:creationId xmlns:a16="http://schemas.microsoft.com/office/drawing/2014/main" id="{872F2EED-008C-2AE4-BEDE-5C62C62F2083}"/>
+              </a:ext>
+            </a:extLst>
+          </p:cNvPr>
+          <p:cNvGrpSpPr/>
+          <p:nvPr/>
+        </p:nvGrpSpPr>
+        <p:grpSpPr>
+          <a:xfrm>
+            <a:off x="1802244" y="2289618"/>
+            <a:ext cx="9378786" cy="2693739"/>
+            <a:chOff x="3008169" y="2593983"/>
+            <a:chExt cx="9378786" cy="2693739"/>
+          </a:xfrm>
+        </p:grpSpPr>
+        <p:grpSp>
+          <p:nvGrpSpPr>
+            <p:cNvPr id="3" name="Groupe 2">
+              <a:extLst>
+                <a:ext uri="{FF2B5EF4-FFF2-40B4-BE49-F238E27FC236}">
+                  <a16:creationId xmlns:a16="http://schemas.microsoft.com/office/drawing/2014/main" id="{40708463-6103-66AC-28E7-471ABBE5FCB8}"/>
+                </a:ext>
+              </a:extLst>
+            </p:cNvPr>
+            <p:cNvGrpSpPr/>
+            <p:nvPr/>
+          </p:nvGrpSpPr>
+          <p:grpSpPr>
+            <a:xfrm>
+              <a:off x="3008169" y="2593983"/>
+              <a:ext cx="7984552" cy="646331"/>
+              <a:chOff x="2968339" y="2782669"/>
+              <a:chExt cx="7984552" cy="646331"/>
+            </a:xfrm>
+          </p:grpSpPr>
+          <p:sp>
+            <p:nvSpPr>
+              <p:cNvPr id="11" name="ZoneTexte 10">
+                <a:extLst>
+                  <a:ext uri="{FF2B5EF4-FFF2-40B4-BE49-F238E27FC236}">
+                    <a16:creationId xmlns:a16="http://schemas.microsoft.com/office/drawing/2014/main" id="{C0FFA261-0060-613E-36C0-1351D1D3D9CB}"/>
+                  </a:ext>
+                </a:extLst>
+              </p:cNvPr>
+              <p:cNvSpPr txBox="1"/>
+              <p:nvPr/>
+            </p:nvSpPr>
+            <p:spPr>
+              <a:xfrm>
+                <a:off x="3842658" y="2782669"/>
+                <a:ext cx="7110233" cy="646331"/>
+              </a:xfrm>
+              <a:prstGeom prst="rect">
+                <a:avLst/>
+              </a:prstGeom>
+              <a:noFill/>
+            </p:spPr>
+            <p:txBody>
+              <a:bodyPr wrap="square" rtlCol="0">
+                <a:spAutoFit/>
+              </a:bodyPr>
+              <a:lstStyle/>
+              <a:p>
+                <a:r>
+                  <a:rPr lang="fr-FR" sz="3600" b="1" dirty="0"/>
+                  <a:t>12Mio d’articles postés / mois</a:t>
+                </a:r>
+              </a:p>
+            </p:txBody>
+          </p:sp>
+          <p:pic>
+            <p:nvPicPr>
+              <p:cNvPr id="12" name="Image 11" descr="Une image contenant logo, symbole, capture d’écran, Graphique&#10;&#10;Le contenu généré par l’IA peut être incorrect.">
+                <a:extLst>
+                  <a:ext uri="{FF2B5EF4-FFF2-40B4-BE49-F238E27FC236}">
+                    <a16:creationId xmlns:a16="http://schemas.microsoft.com/office/drawing/2014/main" id="{03D31369-C99F-5F7D-3321-6F34115C2155}"/>
+                  </a:ext>
+                </a:extLst>
+              </p:cNvPr>
+              <p:cNvPicPr>
+                <a:picLocks noChangeAspect="1"/>
+              </p:cNvPicPr>
+              <p:nvPr/>
+            </p:nvPicPr>
+            <p:blipFill>
+              <a:blip r:embed="rId2">
+                <a:extLst>
+                  <a:ext uri="{28A0092B-C50C-407E-A947-70E740481C1C}">
+                    <a14:useLocalDpi xmlns:a14="http://schemas.microsoft.com/office/drawing/2010/main" val="0"/>
+                  </a:ext>
+                </a:extLst>
+              </a:blip>
+              <a:stretch>
+                <a:fillRect/>
+              </a:stretch>
+            </p:blipFill>
+            <p:spPr>
+              <a:xfrm>
+                <a:off x="2968339" y="2782669"/>
+                <a:ext cx="591694" cy="646331"/>
+              </a:xfrm>
+              <a:prstGeom prst="rect">
+                <a:avLst/>
+              </a:prstGeom>
+            </p:spPr>
+          </p:pic>
+        </p:grpSp>
+        <p:grpSp>
+          <p:nvGrpSpPr>
+            <p:cNvPr id="5" name="Groupe 4">
+              <a:extLst>
+                <a:ext uri="{FF2B5EF4-FFF2-40B4-BE49-F238E27FC236}">
+                  <a16:creationId xmlns:a16="http://schemas.microsoft.com/office/drawing/2014/main" id="{93D7A8E1-9901-21BA-F0B9-F9FC1E4EDCBA}"/>
+                </a:ext>
+              </a:extLst>
+            </p:cNvPr>
+            <p:cNvGrpSpPr/>
+            <p:nvPr/>
+          </p:nvGrpSpPr>
+          <p:grpSpPr>
+            <a:xfrm>
+              <a:off x="3008169" y="3617687"/>
+              <a:ext cx="7857804" cy="646331"/>
+              <a:chOff x="2968339" y="2782669"/>
+              <a:chExt cx="7857804" cy="646331"/>
+            </a:xfrm>
+          </p:grpSpPr>
+          <p:sp>
+            <p:nvSpPr>
+              <p:cNvPr id="9" name="ZoneTexte 8">
+                <a:extLst>
+                  <a:ext uri="{FF2B5EF4-FFF2-40B4-BE49-F238E27FC236}">
+                    <a16:creationId xmlns:a16="http://schemas.microsoft.com/office/drawing/2014/main" id="{DE930DD7-B0B7-D2D0-4FB8-3870EE3EB0AB}"/>
+                  </a:ext>
+                </a:extLst>
+              </p:cNvPr>
+              <p:cNvSpPr txBox="1"/>
+              <p:nvPr/>
+            </p:nvSpPr>
+            <p:spPr>
+              <a:xfrm>
+                <a:off x="3842658" y="2782669"/>
+                <a:ext cx="6983485" cy="646331"/>
+              </a:xfrm>
+              <a:prstGeom prst="rect">
+                <a:avLst/>
+              </a:prstGeom>
+              <a:noFill/>
+            </p:spPr>
+            <p:txBody>
+              <a:bodyPr wrap="square" rtlCol="0">
+                <a:spAutoFit/>
+              </a:bodyPr>
+              <a:lstStyle/>
+              <a:p>
+                <a:r>
+                  <a:rPr lang="fr-FR" sz="3600" b="1" dirty="0"/>
+                  <a:t>Soit 36Mio de requêtes / mois</a:t>
+                </a:r>
+              </a:p>
+            </p:txBody>
+          </p:sp>
+          <p:pic>
+            <p:nvPicPr>
+              <p:cNvPr id="10" name="Image 9" descr="Une image contenant logo, symbole, capture d’écran, Graphique&#10;&#10;Le contenu généré par l’IA peut être incorrect.">
+                <a:extLst>
+                  <a:ext uri="{FF2B5EF4-FFF2-40B4-BE49-F238E27FC236}">
+                    <a16:creationId xmlns:a16="http://schemas.microsoft.com/office/drawing/2014/main" id="{8A1C1CD1-2C77-8851-B6BD-94A3C9EC907F}"/>
+                  </a:ext>
+                </a:extLst>
+              </p:cNvPr>
+              <p:cNvPicPr>
+                <a:picLocks noChangeAspect="1"/>
+              </p:cNvPicPr>
+              <p:nvPr/>
+            </p:nvPicPr>
+            <p:blipFill>
+              <a:blip r:embed="rId2">
+                <a:extLst>
+                  <a:ext uri="{28A0092B-C50C-407E-A947-70E740481C1C}">
+                    <a14:useLocalDpi xmlns:a14="http://schemas.microsoft.com/office/drawing/2010/main" val="0"/>
+                  </a:ext>
+                </a:extLst>
+              </a:blip>
+              <a:stretch>
+                <a:fillRect/>
+              </a:stretch>
+            </p:blipFill>
+            <p:spPr>
+              <a:xfrm>
+                <a:off x="2968339" y="2782669"/>
+                <a:ext cx="591694" cy="646331"/>
+              </a:xfrm>
+              <a:prstGeom prst="rect">
+                <a:avLst/>
+              </a:prstGeom>
+            </p:spPr>
+          </p:pic>
+        </p:grpSp>
+        <p:grpSp>
+          <p:nvGrpSpPr>
+            <p:cNvPr id="6" name="Groupe 5">
+              <a:extLst>
+                <a:ext uri="{FF2B5EF4-FFF2-40B4-BE49-F238E27FC236}">
+                  <a16:creationId xmlns:a16="http://schemas.microsoft.com/office/drawing/2014/main" id="{F9ACE9D2-66C6-4028-A1F1-FE688CCDE0EA}"/>
+                </a:ext>
+              </a:extLst>
+            </p:cNvPr>
+            <p:cNvGrpSpPr/>
+            <p:nvPr/>
+          </p:nvGrpSpPr>
+          <p:grpSpPr>
+            <a:xfrm>
+              <a:off x="3008169" y="4641391"/>
+              <a:ext cx="9378786" cy="646331"/>
+              <a:chOff x="2968339" y="2782669"/>
+              <a:chExt cx="9378786" cy="646331"/>
+            </a:xfrm>
+          </p:grpSpPr>
+          <p:sp>
+            <p:nvSpPr>
+              <p:cNvPr id="7" name="ZoneTexte 6">
+                <a:extLst>
+                  <a:ext uri="{FF2B5EF4-FFF2-40B4-BE49-F238E27FC236}">
+                    <a16:creationId xmlns:a16="http://schemas.microsoft.com/office/drawing/2014/main" id="{B3C27EE0-7179-A83A-BD9A-57F5C5231D60}"/>
+                  </a:ext>
+                </a:extLst>
+              </p:cNvPr>
+              <p:cNvSpPr txBox="1"/>
+              <p:nvPr/>
+            </p:nvSpPr>
+            <p:spPr>
+              <a:xfrm>
+                <a:off x="3842657" y="2782669"/>
+                <a:ext cx="8504468" cy="646331"/>
+              </a:xfrm>
+              <a:prstGeom prst="rect">
+                <a:avLst/>
+              </a:prstGeom>
+              <a:noFill/>
+            </p:spPr>
+            <p:txBody>
+              <a:bodyPr wrap="square" rtlCol="0">
+                <a:spAutoFit/>
+              </a:bodyPr>
+              <a:lstStyle/>
+              <a:p>
+                <a:r>
+                  <a:rPr lang="fr-FR" sz="3600" b="1" dirty="0"/>
+                  <a:t>(5Mio – 1000)  * 0,0015 + 31Mio * 0,0022</a:t>
+                </a:r>
+              </a:p>
+            </p:txBody>
+          </p:sp>
+          <p:pic>
+            <p:nvPicPr>
+              <p:cNvPr id="8" name="Image 7" descr="Une image contenant logo, symbole, capture d’écran, Graphique&#10;&#10;Le contenu généré par l’IA peut être incorrect.">
+                <a:extLst>
+                  <a:ext uri="{FF2B5EF4-FFF2-40B4-BE49-F238E27FC236}">
+                    <a16:creationId xmlns:a16="http://schemas.microsoft.com/office/drawing/2014/main" id="{8C78D74E-9DF4-F5E7-7F2C-0AA87494E7DE}"/>
+                  </a:ext>
+                </a:extLst>
+              </p:cNvPr>
+              <p:cNvPicPr>
+                <a:picLocks noChangeAspect="1"/>
+              </p:cNvPicPr>
+              <p:nvPr/>
+            </p:nvPicPr>
+            <p:blipFill>
+              <a:blip r:embed="rId2">
+                <a:extLst>
+                  <a:ext uri="{28A0092B-C50C-407E-A947-70E740481C1C}">
+                    <a14:useLocalDpi xmlns:a14="http://schemas.microsoft.com/office/drawing/2010/main" val="0"/>
+                  </a:ext>
+                </a:extLst>
+              </a:blip>
+              <a:stretch>
+                <a:fillRect/>
+              </a:stretch>
+            </p:blipFill>
+            <p:spPr>
+              <a:xfrm>
+                <a:off x="2968339" y="2782669"/>
+                <a:ext cx="591694" cy="646331"/>
+              </a:xfrm>
+              <a:prstGeom prst="rect">
+                <a:avLst/>
+              </a:prstGeom>
+            </p:spPr>
+          </p:pic>
+        </p:grpSp>
+      </p:grpSp>
+      <p:sp>
+        <p:nvSpPr>
+          <p:cNvPr id="13" name="ZoneTexte 12">
+            <a:extLst>
+              <a:ext uri="{FF2B5EF4-FFF2-40B4-BE49-F238E27FC236}">
+                <a16:creationId xmlns:a16="http://schemas.microsoft.com/office/drawing/2014/main" id="{BC5A5AF3-2484-275F-0209-1E4270DFB124}"/>
+              </a:ext>
+            </a:extLst>
+          </p:cNvPr>
+          <p:cNvSpPr txBox="1"/>
+          <p:nvPr/>
+        </p:nvSpPr>
+        <p:spPr>
+          <a:xfrm>
+            <a:off x="4280548" y="5404764"/>
+            <a:ext cx="3644685" cy="646331"/>
+          </a:xfrm>
+          <a:prstGeom prst="rect">
+            <a:avLst/>
+          </a:prstGeom>
+          <a:noFill/>
+        </p:spPr>
+        <p:txBody>
+          <a:bodyPr wrap="square" rtlCol="0">
+            <a:spAutoFit/>
+          </a:bodyPr>
+          <a:lstStyle/>
+          <a:p>
+            <a:pPr algn="ctr"/>
+            <a:r>
+              <a:rPr lang="fr-FR" sz="3600" b="1" dirty="0">
+                <a:solidFill>
+                  <a:schemeClr val="accent6"/>
+                </a:solidFill>
+              </a:rPr>
+              <a:t>75698.5$ / mois </a:t>
+            </a:r>
+          </a:p>
+        </p:txBody>
+      </p:sp>
+      <p:pic>
+        <p:nvPicPr>
+          <p:cNvPr id="15" name="Image 14" descr="Une image contenant gant&#10;&#10;Le contenu généré par l’IA peut être incorrect.">
+            <a:extLst>
+              <a:ext uri="{FF2B5EF4-FFF2-40B4-BE49-F238E27FC236}">
+                <a16:creationId xmlns:a16="http://schemas.microsoft.com/office/drawing/2014/main" id="{7911645F-25CE-EF70-0170-CB5ED47E383B}"/>
+              </a:ext>
+            </a:extLst>
+          </p:cNvPr>
+          <p:cNvPicPr>
+            <a:picLocks noChangeAspect="1"/>
+          </p:cNvPicPr>
+          <p:nvPr/>
+        </p:nvPicPr>
+        <p:blipFill>
+          <a:blip r:embed="rId3">
+            <a:extLst>
+              <a:ext uri="{28A0092B-C50C-407E-A947-70E740481C1C}">
+                <a14:useLocalDpi xmlns:a14="http://schemas.microsoft.com/office/drawing/2010/main" val="0"/>
+              </a:ext>
+            </a:extLst>
+          </a:blip>
+          <a:stretch>
+            <a:fillRect/>
+          </a:stretch>
+        </p:blipFill>
+        <p:spPr>
+          <a:xfrm>
+            <a:off x="3401085" y="5288199"/>
+            <a:ext cx="879463" cy="879463"/>
+          </a:xfrm>
+          <a:prstGeom prst="rect">
+            <a:avLst/>
+          </a:prstGeom>
+        </p:spPr>
+      </p:pic>
+      <p:pic>
+        <p:nvPicPr>
+          <p:cNvPr id="17" name="Image 16" descr="Une image contenant gant&#10;&#10;Le contenu généré par l’IA peut être incorrect.">
+            <a:extLst>
+              <a:ext uri="{FF2B5EF4-FFF2-40B4-BE49-F238E27FC236}">
+                <a16:creationId xmlns:a16="http://schemas.microsoft.com/office/drawing/2014/main" id="{BC0D0FB6-4BD2-1548-A3DB-EE024F3ED06F}"/>
+              </a:ext>
+            </a:extLst>
+          </p:cNvPr>
+          <p:cNvPicPr>
+            <a:picLocks noChangeAspect="1"/>
+          </p:cNvPicPr>
+          <p:nvPr/>
+        </p:nvPicPr>
+        <p:blipFill>
+          <a:blip r:embed="rId3">
+            <a:extLst>
+              <a:ext uri="{28A0092B-C50C-407E-A947-70E740481C1C}">
+                <a14:useLocalDpi xmlns:a14="http://schemas.microsoft.com/office/drawing/2010/main" val="0"/>
+              </a:ext>
+            </a:extLst>
+          </a:blip>
+          <a:stretch>
+            <a:fillRect/>
+          </a:stretch>
+        </p:blipFill>
+        <p:spPr>
+          <a:xfrm>
+            <a:off x="7911451" y="5288200"/>
+            <a:ext cx="879463" cy="879463"/>
+          </a:xfrm>
+          <a:prstGeom prst="rect">
+            <a:avLst/>
+          </a:prstGeom>
+        </p:spPr>
+      </p:pic>
+    </p:spTree>
+    <p:extLst>
+      <p:ext uri="{BB962C8B-B14F-4D97-AF65-F5344CB8AC3E}">
+        <p14:creationId xmlns:p14="http://schemas.microsoft.com/office/powerpoint/2010/main" val="603776088"/>
+      </p:ext>
+    </p:extLst>
+  </p:cSld>
+  <p:clrMapOvr>
+    <a:masterClrMapping/>
+  </p:clrMapOvr>
+</p:sld>
+</file>
+
+<file path=ppt/slides/slide16.xml><?xml version="1.0" encoding="utf-8"?>
+<p:sld xmlns:a="http://schemas.openxmlformats.org/drawingml/2006/main" xmlns:r="http://schemas.openxmlformats.org/officeDocument/2006/relationships" xmlns:p="http://schemas.openxmlformats.org/presentationml/2006/main">
+  <p:cSld>
+    <p:spTree>
+      <p:nvGrpSpPr>
+        <p:cNvPr id="1" name="">
+          <a:extLst>
+            <a:ext uri="{FF2B5EF4-FFF2-40B4-BE49-F238E27FC236}">
               <a16:creationId xmlns:a16="http://schemas.microsoft.com/office/drawing/2014/main" id="{46E46CDE-F191-1013-655C-82036797BB9A}"/>
             </a:ext>
           </a:extLst>
@@ -7049,7 +7639,7 @@
           <a:p>
             <a:fld id="{FE62F6A8-B166-4F31-9975-CC19BE6F7705}" type="slidenum">
               <a:rPr lang="fr-CH" smtClean="0"/>
-              <a:t>15</a:t>
+              <a:t>16</a:t>
             </a:fld>
             <a:endParaRPr lang="fr-CH"/>
           </a:p>
